--- a/SimpleCompress_ProjectReport.pptx
+++ b/SimpleCompress_ProjectReport.pptx
@@ -19490,221 +19490,6 @@
       </p:grpSpPr>
       <p:sp>
         <p:nvSpPr>
-          <p:cNvPr id="179" name="Google Shape;179;g399f6197e88_0_0"/>
-          <p:cNvSpPr/>
-          <p:nvPr/>
-        </p:nvSpPr>
-        <p:spPr>
-          <a:xfrm>
-            <a:off x="267800" y="5116503"/>
-            <a:ext cx="8642400" cy="1159200"/>
-          </a:xfrm>
-          <a:prstGeom prst="rect">
-            <a:avLst/>
-          </a:prstGeom>
-          <a:noFill/>
-          <a:ln w="19050" cap="flat" cmpd="sng">
-            <a:solidFill>
-              <a:schemeClr val="dk2"/>
-            </a:solidFill>
-            <a:prstDash val="solid"/>
-            <a:round/>
-            <a:headEnd type="none" w="sm" len="sm"/>
-            <a:tailEnd type="none" w="sm" len="sm"/>
-          </a:ln>
-        </p:spPr>
-        <p:txBody>
-          <a:bodyPr spcFirstLastPara="1" wrap="square" lIns="91425" tIns="91425" rIns="91425" bIns="91425" anchor="ctr" anchorCtr="0">
-            <a:noAutofit/>
-          </a:bodyPr>
-          <a:lstStyle/>
-          <a:p>
-            <a:pPr marL="0" lvl="0" indent="0" algn="ctr" rtl="0">
-              <a:spcBef>
-                <a:spcPts val="0"/>
-              </a:spcBef>
-              <a:spcAft>
-                <a:spcPts val="0"/>
-              </a:spcAft>
-              <a:buNone/>
-            </a:pPr>
-            <a:endParaRPr>
-              <a:latin typeface="Calibri"/>
-              <a:ea typeface="Calibri"/>
-              <a:cs typeface="Calibri"/>
-              <a:sym typeface="Calibri"/>
-            </a:endParaRPr>
-          </a:p>
-        </p:txBody>
-      </p:sp>
-      <p:sp>
-        <p:nvSpPr>
-          <p:cNvPr id="180" name="Google Shape;180;g399f6197e88_0_0"/>
-          <p:cNvSpPr/>
-          <p:nvPr/>
-        </p:nvSpPr>
-        <p:spPr>
-          <a:xfrm>
-            <a:off x="303350" y="1939002"/>
-            <a:ext cx="8642400" cy="1856100"/>
-          </a:xfrm>
-          <a:prstGeom prst="rect">
-            <a:avLst/>
-          </a:prstGeom>
-          <a:noFill/>
-          <a:ln w="19050" cap="flat" cmpd="sng">
-            <a:solidFill>
-              <a:schemeClr val="dk2"/>
-            </a:solidFill>
-            <a:prstDash val="solid"/>
-            <a:round/>
-            <a:headEnd type="none" w="sm" len="sm"/>
-            <a:tailEnd type="none" w="sm" len="sm"/>
-          </a:ln>
-        </p:spPr>
-        <p:txBody>
-          <a:bodyPr spcFirstLastPara="1" wrap="square" lIns="91425" tIns="91425" rIns="91425" bIns="91425" anchor="ctr" anchorCtr="0">
-            <a:noAutofit/>
-          </a:bodyPr>
-          <a:lstStyle/>
-          <a:p>
-            <a:pPr marL="0" lvl="0" indent="0" algn="ctr" rtl="0">
-              <a:spcBef>
-                <a:spcPts val="0"/>
-              </a:spcBef>
-              <a:spcAft>
-                <a:spcPts val="0"/>
-              </a:spcAft>
-              <a:buNone/>
-            </a:pPr>
-            <a:endParaRPr>
-              <a:latin typeface="Calibri"/>
-              <a:ea typeface="Calibri"/>
-              <a:cs typeface="Calibri"/>
-              <a:sym typeface="Calibri"/>
-            </a:endParaRPr>
-          </a:p>
-        </p:txBody>
-      </p:sp>
-      <p:sp>
-        <p:nvSpPr>
-          <p:cNvPr id="181" name="Google Shape;181;g399f6197e88_0_0"/>
-          <p:cNvSpPr/>
-          <p:nvPr/>
-        </p:nvSpPr>
-        <p:spPr>
-          <a:xfrm>
-            <a:off x="5486991" y="5346425"/>
-            <a:ext cx="1568400" cy="660300"/>
-          </a:xfrm>
-          <a:prstGeom prst="rect">
-            <a:avLst/>
-          </a:prstGeom>
-          <a:gradFill>
-            <a:gsLst>
-              <a:gs pos="0">
-                <a:srgbClr val="3E7FCD"/>
-              </a:gs>
-              <a:gs pos="100000">
-                <a:srgbClr val="96C0FF"/>
-              </a:gs>
-            </a:gsLst>
-            <a:lin ang="16200038" scaled="0"/>
-          </a:gradFill>
-          <a:ln w="9525" cap="flat" cmpd="sng">
-            <a:solidFill>
-              <a:srgbClr val="4A7DBA"/>
-            </a:solidFill>
-            <a:prstDash val="solid"/>
-            <a:round/>
-            <a:headEnd type="none" w="sm" len="sm"/>
-            <a:tailEnd type="none" w="sm" len="sm"/>
-          </a:ln>
-          <a:effectLst>
-            <a:outerShdw blurRad="40000" dist="23000" dir="5400000" rotWithShape="0">
-              <a:srgbClr val="000000">
-                <a:alpha val="34510"/>
-              </a:srgbClr>
-            </a:outerShdw>
-          </a:effectLst>
-        </p:spPr>
-        <p:txBody>
-          <a:bodyPr spcFirstLastPara="1" wrap="square" lIns="91425" tIns="45700" rIns="91425" bIns="45700" anchor="ctr" anchorCtr="0">
-            <a:noAutofit/>
-          </a:bodyPr>
-          <a:lstStyle/>
-          <a:p>
-            <a:pPr marL="0" marR="0" lvl="0" indent="0" algn="ctr" rtl="0">
-              <a:lnSpc>
-                <a:spcPct val="100000"/>
-              </a:lnSpc>
-              <a:spcBef>
-                <a:spcPts val="0"/>
-              </a:spcBef>
-              <a:spcAft>
-                <a:spcPts val="0"/>
-              </a:spcAft>
-              <a:buClr>
-                <a:srgbClr val="000000"/>
-              </a:buClr>
-              <a:buSzPts val="1800"/>
-              <a:buFont typeface="Arial"/>
-              <a:buNone/>
-            </a:pPr>
-            <a:r>
-              <a:rPr lang="en-CA" sz="1600" b="1">
-                <a:latin typeface="Calibri"/>
-                <a:ea typeface="Calibri"/>
-                <a:cs typeface="Calibri"/>
-                <a:sym typeface="Calibri"/>
-              </a:rPr>
-              <a:t>Igniter</a:t>
-            </a:r>
-            <a:endParaRPr sz="1600" b="1">
-              <a:latin typeface="Calibri"/>
-              <a:ea typeface="Calibri"/>
-              <a:cs typeface="Calibri"/>
-              <a:sym typeface="Calibri"/>
-            </a:endParaRPr>
-          </a:p>
-          <a:p>
-            <a:pPr marL="0" marR="0" lvl="0" indent="0" algn="ctr" rtl="0">
-              <a:lnSpc>
-                <a:spcPct val="100000"/>
-              </a:lnSpc>
-              <a:spcBef>
-                <a:spcPts val="0"/>
-              </a:spcBef>
-              <a:spcAft>
-                <a:spcPts val="0"/>
-              </a:spcAft>
-              <a:buClr>
-                <a:srgbClr val="000000"/>
-              </a:buClr>
-              <a:buSzPts val="1800"/>
-              <a:buFont typeface="Arial"/>
-              <a:buNone/>
-            </a:pPr>
-            <a:r>
-              <a:rPr lang="en-CA" sz="1600" b="1">
-                <a:latin typeface="Calibri"/>
-                <a:ea typeface="Calibri"/>
-                <a:cs typeface="Calibri"/>
-                <a:sym typeface="Calibri"/>
-              </a:rPr>
-              <a:t>(Digital Output)</a:t>
-            </a:r>
-            <a:endParaRPr sz="1600" b="1">
-              <a:latin typeface="Calibri"/>
-              <a:ea typeface="Calibri"/>
-              <a:cs typeface="Calibri"/>
-              <a:sym typeface="Calibri"/>
-            </a:endParaRPr>
-          </a:p>
-        </p:txBody>
-      </p:sp>
-      <p:sp>
-        <p:nvSpPr>
           <p:cNvPr id="182" name="Google Shape;182;g399f6197e88_0_0"/>
           <p:cNvSpPr txBox="1">
             <a:spLocks noGrp="1"/>
@@ -19750,373 +19535,14 @@
               <a:buNone/>
             </a:pPr>
             <a:r>
-              <a:rPr lang="en-CA" sz="3600"/>
+              <a:rPr lang="en-CA" sz="3600" dirty="0"/>
               <a:t>System architecture diagram</a:t>
             </a:r>
-            <a:endParaRPr sz="3500">
+            <a:endParaRPr sz="3500" dirty="0">
               <a:latin typeface="Calibri"/>
               <a:ea typeface="Calibri"/>
               <a:cs typeface="Calibri"/>
               <a:sym typeface="Calibri"/>
-            </a:endParaRPr>
-          </a:p>
-        </p:txBody>
-      </p:sp>
-      <p:cxnSp>
-        <p:nvCxnSpPr>
-          <p:cNvPr id="183" name="Google Shape;183;g399f6197e88_0_0"/>
-          <p:cNvCxnSpPr>
-            <a:stCxn id="184" idx="2"/>
-            <a:endCxn id="185" idx="0"/>
-          </p:cNvCxnSpPr>
-          <p:nvPr/>
-        </p:nvCxnSpPr>
-        <p:spPr>
-          <a:xfrm>
-            <a:off x="4682775" y="1581100"/>
-            <a:ext cx="0" cy="525000"/>
-          </a:xfrm>
-          <a:prstGeom prst="straightConnector1">
-            <a:avLst/>
-          </a:prstGeom>
-          <a:noFill/>
-          <a:ln w="38100" cap="flat" cmpd="sng">
-            <a:solidFill>
-              <a:schemeClr val="accent1"/>
-            </a:solidFill>
-            <a:prstDash val="solid"/>
-            <a:round/>
-            <a:headEnd type="none" w="sm" len="sm"/>
-            <a:tailEnd type="triangle" w="med" len="med"/>
-          </a:ln>
-          <a:effectLst>
-            <a:outerShdw blurRad="40000" dist="20000" dir="5400000" rotWithShape="0">
-              <a:srgbClr val="000000">
-                <a:alpha val="37250"/>
-              </a:srgbClr>
-            </a:outerShdw>
-          </a:effectLst>
-        </p:spPr>
-      </p:cxnSp>
-      <p:sp>
-        <p:nvSpPr>
-          <p:cNvPr id="186" name="Google Shape;186;g399f6197e88_0_0"/>
-          <p:cNvSpPr/>
-          <p:nvPr/>
-        </p:nvSpPr>
-        <p:spPr>
-          <a:xfrm>
-            <a:off x="448350" y="5346425"/>
-            <a:ext cx="1568400" cy="660300"/>
-          </a:xfrm>
-          <a:prstGeom prst="rect">
-            <a:avLst/>
-          </a:prstGeom>
-          <a:gradFill>
-            <a:gsLst>
-              <a:gs pos="0">
-                <a:srgbClr val="DFEAFB"/>
-              </a:gs>
-              <a:gs pos="100000">
-                <a:srgbClr val="6E9CE7"/>
-              </a:gs>
-            </a:gsLst>
-            <a:path path="circle">
-              <a:fillToRect l="50000" t="50000" r="50000" b="50000"/>
-            </a:path>
-            <a:tileRect/>
-          </a:gradFill>
-          <a:ln w="9525" cap="flat" cmpd="sng">
-            <a:solidFill>
-              <a:srgbClr val="4A7DBA"/>
-            </a:solidFill>
-            <a:prstDash val="solid"/>
-            <a:round/>
-            <a:headEnd type="none" w="sm" len="sm"/>
-            <a:tailEnd type="none" w="sm" len="sm"/>
-          </a:ln>
-          <a:effectLst>
-            <a:outerShdw blurRad="40000" dist="23000" dir="5400000" rotWithShape="0">
-              <a:srgbClr val="000000">
-                <a:alpha val="34510"/>
-              </a:srgbClr>
-            </a:outerShdw>
-          </a:effectLst>
-        </p:spPr>
-        <p:txBody>
-          <a:bodyPr spcFirstLastPara="1" wrap="square" lIns="91425" tIns="45700" rIns="91425" bIns="45700" anchor="ctr" anchorCtr="0">
-            <a:noAutofit/>
-          </a:bodyPr>
-          <a:lstStyle/>
-          <a:p>
-            <a:pPr marL="0" marR="0" lvl="0" indent="0" algn="ctr" rtl="0">
-              <a:lnSpc>
-                <a:spcPct val="100000"/>
-              </a:lnSpc>
-              <a:spcBef>
-                <a:spcPts val="0"/>
-              </a:spcBef>
-              <a:spcAft>
-                <a:spcPts val="0"/>
-              </a:spcAft>
-              <a:buClr>
-                <a:srgbClr val="000000"/>
-              </a:buClr>
-              <a:buSzPts val="1800"/>
-              <a:buFont typeface="Arial"/>
-              <a:buNone/>
-            </a:pPr>
-            <a:r>
-              <a:rPr lang="en-CA" sz="1600" b="1">
-                <a:latin typeface="Calibri"/>
-                <a:ea typeface="Calibri"/>
-                <a:cs typeface="Calibri"/>
-                <a:sym typeface="Calibri"/>
-              </a:rPr>
-              <a:t>Temperature Sensor </a:t>
-            </a:r>
-            <a:endParaRPr sz="1600" b="1">
-              <a:latin typeface="Calibri"/>
-              <a:ea typeface="Calibri"/>
-              <a:cs typeface="Calibri"/>
-              <a:sym typeface="Calibri"/>
-            </a:endParaRPr>
-          </a:p>
-          <a:p>
-            <a:pPr marL="0" marR="0" lvl="0" indent="0" algn="ctr" rtl="0">
-              <a:lnSpc>
-                <a:spcPct val="100000"/>
-              </a:lnSpc>
-              <a:spcBef>
-                <a:spcPts val="0"/>
-              </a:spcBef>
-              <a:spcAft>
-                <a:spcPts val="0"/>
-              </a:spcAft>
-              <a:buClr>
-                <a:srgbClr val="000000"/>
-              </a:buClr>
-              <a:buSzPts val="1800"/>
-              <a:buFont typeface="Arial"/>
-              <a:buNone/>
-            </a:pPr>
-            <a:r>
-              <a:rPr lang="en-CA" sz="1600" b="1">
-                <a:latin typeface="Calibri"/>
-                <a:ea typeface="Calibri"/>
-                <a:cs typeface="Calibri"/>
-                <a:sym typeface="Calibri"/>
-              </a:rPr>
-              <a:t>(Analog Input)</a:t>
-            </a:r>
-            <a:endParaRPr sz="1600" b="1">
-              <a:latin typeface="Calibri"/>
-              <a:ea typeface="Calibri"/>
-              <a:cs typeface="Calibri"/>
-              <a:sym typeface="Calibri"/>
-            </a:endParaRPr>
-          </a:p>
-        </p:txBody>
-      </p:sp>
-      <p:sp>
-        <p:nvSpPr>
-          <p:cNvPr id="187" name="Google Shape;187;g399f6197e88_0_0"/>
-          <p:cNvSpPr/>
-          <p:nvPr/>
-        </p:nvSpPr>
-        <p:spPr>
-          <a:xfrm>
-            <a:off x="3807444" y="5346425"/>
-            <a:ext cx="1568400" cy="660300"/>
-          </a:xfrm>
-          <a:prstGeom prst="rect">
-            <a:avLst/>
-          </a:prstGeom>
-          <a:gradFill>
-            <a:gsLst>
-              <a:gs pos="0">
-                <a:srgbClr val="3E7FCD"/>
-              </a:gs>
-              <a:gs pos="100000">
-                <a:srgbClr val="96C0FF"/>
-              </a:gs>
-            </a:gsLst>
-            <a:lin ang="16200038" scaled="0"/>
-          </a:gradFill>
-          <a:ln w="9525" cap="flat" cmpd="sng">
-            <a:solidFill>
-              <a:srgbClr val="4A7DBA"/>
-            </a:solidFill>
-            <a:prstDash val="solid"/>
-            <a:round/>
-            <a:headEnd type="none" w="sm" len="sm"/>
-            <a:tailEnd type="none" w="sm" len="sm"/>
-          </a:ln>
-          <a:effectLst>
-            <a:outerShdw blurRad="40000" dist="23000" dir="5400000" rotWithShape="0">
-              <a:srgbClr val="000000">
-                <a:alpha val="34510"/>
-              </a:srgbClr>
-            </a:outerShdw>
-          </a:effectLst>
-        </p:spPr>
-        <p:txBody>
-          <a:bodyPr spcFirstLastPara="1" wrap="square" lIns="91425" tIns="45700" rIns="91425" bIns="45700" anchor="ctr" anchorCtr="0">
-            <a:noAutofit/>
-          </a:bodyPr>
-          <a:lstStyle/>
-          <a:p>
-            <a:pPr marL="0" marR="0" lvl="0" indent="0" algn="ctr" rtl="0">
-              <a:lnSpc>
-                <a:spcPct val="100000"/>
-              </a:lnSpc>
-              <a:spcBef>
-                <a:spcPts val="0"/>
-              </a:spcBef>
-              <a:spcAft>
-                <a:spcPts val="0"/>
-              </a:spcAft>
-              <a:buClr>
-                <a:srgbClr val="000000"/>
-              </a:buClr>
-              <a:buSzPts val="1800"/>
-              <a:buFont typeface="Arial"/>
-              <a:buNone/>
-            </a:pPr>
-            <a:r>
-              <a:rPr lang="en-CA" sz="1600" b="1">
-                <a:latin typeface="Calibri"/>
-                <a:ea typeface="Calibri"/>
-                <a:cs typeface="Calibri"/>
-                <a:sym typeface="Calibri"/>
-              </a:rPr>
-              <a:t>Gas Valve</a:t>
-            </a:r>
-            <a:endParaRPr sz="1600" b="1">
-              <a:latin typeface="Calibri"/>
-              <a:ea typeface="Calibri"/>
-              <a:cs typeface="Calibri"/>
-              <a:sym typeface="Calibri"/>
-            </a:endParaRPr>
-          </a:p>
-          <a:p>
-            <a:pPr marL="0" marR="0" lvl="0" indent="0" algn="ctr" rtl="0">
-              <a:lnSpc>
-                <a:spcPct val="100000"/>
-              </a:lnSpc>
-              <a:spcBef>
-                <a:spcPts val="0"/>
-              </a:spcBef>
-              <a:spcAft>
-                <a:spcPts val="0"/>
-              </a:spcAft>
-              <a:buClr>
-                <a:srgbClr val="000000"/>
-              </a:buClr>
-              <a:buSzPts val="1800"/>
-              <a:buFont typeface="Arial"/>
-              <a:buNone/>
-            </a:pPr>
-            <a:r>
-              <a:rPr lang="en-CA" sz="1600" b="1">
-                <a:latin typeface="Calibri"/>
-                <a:ea typeface="Calibri"/>
-                <a:cs typeface="Calibri"/>
-                <a:sym typeface="Calibri"/>
-              </a:rPr>
-              <a:t>(Digital Output)</a:t>
-            </a:r>
-            <a:endParaRPr sz="1600" b="1">
-              <a:latin typeface="Calibri"/>
-              <a:ea typeface="Calibri"/>
-              <a:cs typeface="Calibri"/>
-              <a:sym typeface="Calibri"/>
-            </a:endParaRPr>
-          </a:p>
-        </p:txBody>
-      </p:sp>
-      <p:sp>
-        <p:nvSpPr>
-          <p:cNvPr id="184" name="Google Shape;184;g399f6197e88_0_0"/>
-          <p:cNvSpPr/>
-          <p:nvPr/>
-        </p:nvSpPr>
-        <p:spPr>
-          <a:xfrm>
-            <a:off x="3322125" y="1117600"/>
-            <a:ext cx="2721300" cy="463500"/>
-          </a:xfrm>
-          <a:prstGeom prst="rect">
-            <a:avLst/>
-          </a:prstGeom>
-          <a:gradFill>
-            <a:gsLst>
-              <a:gs pos="0">
-                <a:srgbClr val="D99593"/>
-              </a:gs>
-              <a:gs pos="100000">
-                <a:srgbClr val="F2DADA"/>
-              </a:gs>
-            </a:gsLst>
-            <a:lin ang="16200038" scaled="0"/>
-          </a:gradFill>
-          <a:ln w="9525" cap="flat" cmpd="sng">
-            <a:solidFill>
-              <a:srgbClr val="4A7DBA"/>
-            </a:solidFill>
-            <a:prstDash val="solid"/>
-            <a:round/>
-            <a:headEnd type="none" w="sm" len="sm"/>
-            <a:tailEnd type="none" w="sm" len="sm"/>
-          </a:ln>
-          <a:effectLst>
-            <a:outerShdw blurRad="40000" dist="23000" dir="5400000" rotWithShape="0">
-              <a:srgbClr val="000000">
-                <a:alpha val="34510"/>
-              </a:srgbClr>
-            </a:outerShdw>
-          </a:effectLst>
-        </p:spPr>
-        <p:txBody>
-          <a:bodyPr spcFirstLastPara="1" wrap="square" lIns="91425" tIns="45700" rIns="91425" bIns="45700" anchor="ctr" anchorCtr="0">
-            <a:noAutofit/>
-          </a:bodyPr>
-          <a:lstStyle/>
-          <a:p>
-            <a:pPr marL="0" marR="0" lvl="0" indent="0" algn="ctr" rtl="0">
-              <a:lnSpc>
-                <a:spcPct val="100000"/>
-              </a:lnSpc>
-              <a:spcBef>
-                <a:spcPts val="0"/>
-              </a:spcBef>
-              <a:spcAft>
-                <a:spcPts val="0"/>
-              </a:spcAft>
-              <a:buClr>
-                <a:srgbClr val="000000"/>
-              </a:buClr>
-              <a:buSzPts val="1800"/>
-              <a:buFont typeface="Arial"/>
-              <a:buNone/>
-            </a:pPr>
-            <a:r>
-              <a:rPr lang="en-CA" sz="1800" b="1" dirty="0" err="1">
-                <a:latin typeface="Calibri"/>
-                <a:ea typeface="Calibri"/>
-                <a:cs typeface="Calibri"/>
-                <a:sym typeface="Calibri"/>
-              </a:rPr>
-              <a:t>ptx_elf_cookie_oven.ino</a:t>
-            </a:r>
-            <a:endParaRPr sz="1400" b="0" i="0" u="none" strike="noStrike" cap="none" dirty="0">
-              <a:solidFill>
-                <a:srgbClr val="000000"/>
-              </a:solidFill>
-              <a:latin typeface="Arial"/>
-              <a:ea typeface="Arial"/>
-              <a:cs typeface="Arial"/>
-              <a:sym typeface="Arial"/>
             </a:endParaRPr>
           </a:p>
         </p:txBody>
@@ -20173,1259 +19599,89 @@
       </p:sp>
       <p:sp>
         <p:nvSpPr>
-          <p:cNvPr id="189" name="Google Shape;189;g399f6197e88_0_0"/>
-          <p:cNvSpPr/>
+          <p:cNvPr id="8" name="TextBox 7">
+            <a:extLst>
+              <a:ext uri="{FF2B5EF4-FFF2-40B4-BE49-F238E27FC236}">
+                <a16:creationId xmlns:a16="http://schemas.microsoft.com/office/drawing/2014/main" id="{28D13D6C-BDF1-46A6-4263-69ED85ECEC18}"/>
+              </a:ext>
+            </a:extLst>
+          </p:cNvPr>
+          <p:cNvSpPr txBox="1"/>
           <p:nvPr/>
         </p:nvSpPr>
         <p:spPr>
           <a:xfrm>
-            <a:off x="2127897" y="5346425"/>
-            <a:ext cx="1568400" cy="660300"/>
-          </a:xfrm>
-          <a:prstGeom prst="rect">
-            <a:avLst/>
-          </a:prstGeom>
-          <a:gradFill>
-            <a:gsLst>
-              <a:gs pos="0">
-                <a:srgbClr val="3E7FCD"/>
-              </a:gs>
-              <a:gs pos="100000">
-                <a:srgbClr val="96C0FF"/>
-              </a:gs>
-            </a:gsLst>
-            <a:lin ang="16200038" scaled="0"/>
-          </a:gradFill>
-          <a:ln w="9525" cap="flat" cmpd="sng">
-            <a:solidFill>
-              <a:srgbClr val="4A7DBA"/>
-            </a:solidFill>
-            <a:prstDash val="solid"/>
-            <a:round/>
-            <a:headEnd type="none" w="sm" len="sm"/>
-            <a:tailEnd type="none" w="sm" len="sm"/>
-          </a:ln>
-          <a:effectLst>
-            <a:outerShdw blurRad="40000" dist="23000" dir="5400000" rotWithShape="0">
-              <a:srgbClr val="000000">
-                <a:alpha val="34510"/>
-              </a:srgbClr>
-            </a:outerShdw>
-          </a:effectLst>
-        </p:spPr>
-        <p:txBody>
-          <a:bodyPr spcFirstLastPara="1" wrap="square" lIns="91425" tIns="45700" rIns="91425" bIns="45700" anchor="ctr" anchorCtr="0">
-            <a:noAutofit/>
-          </a:bodyPr>
-          <a:lstStyle/>
-          <a:p>
-            <a:pPr marL="0" marR="0" lvl="0" indent="0" algn="ctr" rtl="0">
-              <a:lnSpc>
-                <a:spcPct val="100000"/>
-              </a:lnSpc>
-              <a:spcBef>
-                <a:spcPts val="0"/>
-              </a:spcBef>
-              <a:spcAft>
-                <a:spcPts val="0"/>
-              </a:spcAft>
-              <a:buClr>
-                <a:srgbClr val="000000"/>
-              </a:buClr>
-              <a:buSzPts val="1800"/>
-              <a:buFont typeface="Arial"/>
-              <a:buNone/>
-            </a:pPr>
-            <a:r>
-              <a:rPr lang="en-CA" sz="1600" b="1">
-                <a:latin typeface="Calibri"/>
-                <a:ea typeface="Calibri"/>
-                <a:cs typeface="Calibri"/>
-                <a:sym typeface="Calibri"/>
-              </a:rPr>
-              <a:t>Door Switch</a:t>
-            </a:r>
-            <a:endParaRPr sz="1600" b="1">
-              <a:latin typeface="Calibri"/>
-              <a:ea typeface="Calibri"/>
-              <a:cs typeface="Calibri"/>
-              <a:sym typeface="Calibri"/>
-            </a:endParaRPr>
-          </a:p>
-          <a:p>
-            <a:pPr marL="0" marR="0" lvl="0" indent="0" algn="ctr" rtl="0">
-              <a:lnSpc>
-                <a:spcPct val="100000"/>
-              </a:lnSpc>
-              <a:spcBef>
-                <a:spcPts val="0"/>
-              </a:spcBef>
-              <a:spcAft>
-                <a:spcPts val="0"/>
-              </a:spcAft>
-              <a:buClr>
-                <a:srgbClr val="000000"/>
-              </a:buClr>
-              <a:buSzPts val="1800"/>
-              <a:buFont typeface="Arial"/>
-              <a:buNone/>
-            </a:pPr>
-            <a:r>
-              <a:rPr lang="en-CA" sz="1600" b="1">
-                <a:latin typeface="Calibri"/>
-                <a:ea typeface="Calibri"/>
-                <a:cs typeface="Calibri"/>
-                <a:sym typeface="Calibri"/>
-              </a:rPr>
-              <a:t>(Digital Input)</a:t>
-            </a:r>
-            <a:endParaRPr sz="1600" b="1">
-              <a:latin typeface="Calibri"/>
-              <a:ea typeface="Calibri"/>
-              <a:cs typeface="Calibri"/>
-              <a:sym typeface="Calibri"/>
-            </a:endParaRPr>
-          </a:p>
-        </p:txBody>
-      </p:sp>
-      <p:sp>
-        <p:nvSpPr>
-          <p:cNvPr id="190" name="Google Shape;190;g399f6197e88_0_0"/>
-          <p:cNvSpPr/>
-          <p:nvPr/>
-        </p:nvSpPr>
-        <p:spPr>
-          <a:xfrm>
-            <a:off x="6813675" y="2981995"/>
-            <a:ext cx="1981500" cy="660300"/>
-          </a:xfrm>
-          <a:prstGeom prst="rect">
-            <a:avLst/>
-          </a:prstGeom>
-          <a:gradFill>
-            <a:gsLst>
-              <a:gs pos="0">
-                <a:srgbClr val="B7CE88"/>
-              </a:gs>
-              <a:gs pos="100000">
-                <a:srgbClr val="778F45"/>
-              </a:gs>
-            </a:gsLst>
-            <a:lin ang="5400012" scaled="0"/>
-          </a:gradFill>
-          <a:ln w="9525" cap="flat" cmpd="sng">
-            <a:solidFill>
-              <a:srgbClr val="4A7DBA"/>
-            </a:solidFill>
-            <a:prstDash val="solid"/>
-            <a:round/>
-            <a:headEnd type="none" w="sm" len="sm"/>
-            <a:tailEnd type="none" w="sm" len="sm"/>
-          </a:ln>
-          <a:effectLst>
-            <a:outerShdw blurRad="40000" dist="23000" dir="5400000" rotWithShape="0">
-              <a:srgbClr val="000000">
-                <a:alpha val="34510"/>
-              </a:srgbClr>
-            </a:outerShdw>
-          </a:effectLst>
-        </p:spPr>
-        <p:txBody>
-          <a:bodyPr spcFirstLastPara="1" wrap="square" lIns="91425" tIns="45700" rIns="91425" bIns="45700" anchor="ctr" anchorCtr="0">
-            <a:noAutofit/>
-          </a:bodyPr>
-          <a:lstStyle/>
-          <a:p>
-            <a:pPr marL="0" marR="0" lvl="0" indent="0" algn="ctr" rtl="0">
-              <a:lnSpc>
-                <a:spcPct val="100000"/>
-              </a:lnSpc>
-              <a:spcBef>
-                <a:spcPts val="0"/>
-              </a:spcBef>
-              <a:spcAft>
-                <a:spcPts val="0"/>
-              </a:spcAft>
-              <a:buClr>
-                <a:srgbClr val="000000"/>
-              </a:buClr>
-              <a:buSzPts val="1800"/>
-              <a:buFont typeface="Arial"/>
-              <a:buNone/>
-            </a:pPr>
-            <a:r>
-              <a:rPr lang="en-CA" sz="1800" b="1">
-                <a:latin typeface="Calibri"/>
-                <a:ea typeface="Calibri"/>
-                <a:cs typeface="Calibri"/>
-                <a:sym typeface="Calibri"/>
-              </a:rPr>
-              <a:t>ptx_logging</a:t>
-            </a:r>
-            <a:endParaRPr sz="1800" b="1">
-              <a:latin typeface="Calibri"/>
-              <a:ea typeface="Calibri"/>
-              <a:cs typeface="Calibri"/>
-              <a:sym typeface="Calibri"/>
-            </a:endParaRPr>
-          </a:p>
-        </p:txBody>
-      </p:sp>
-      <p:sp>
-        <p:nvSpPr>
-          <p:cNvPr id="191" name="Google Shape;191;g399f6197e88_0_0"/>
-          <p:cNvSpPr/>
-          <p:nvPr/>
-        </p:nvSpPr>
-        <p:spPr>
-          <a:xfrm>
-            <a:off x="448350" y="2981995"/>
-            <a:ext cx="1981500" cy="660300"/>
-          </a:xfrm>
-          <a:prstGeom prst="rect">
-            <a:avLst/>
-          </a:prstGeom>
-          <a:gradFill>
-            <a:gsLst>
-              <a:gs pos="0">
-                <a:srgbClr val="B7CE88"/>
-              </a:gs>
-              <a:gs pos="100000">
-                <a:srgbClr val="778F45"/>
-              </a:gs>
-            </a:gsLst>
-            <a:lin ang="5400012" scaled="0"/>
-          </a:gradFill>
-          <a:ln w="9525" cap="flat" cmpd="sng">
-            <a:solidFill>
-              <a:srgbClr val="4A7DBA"/>
-            </a:solidFill>
-            <a:prstDash val="solid"/>
-            <a:round/>
-            <a:headEnd type="none" w="sm" len="sm"/>
-            <a:tailEnd type="none" w="sm" len="sm"/>
-          </a:ln>
-          <a:effectLst>
-            <a:outerShdw blurRad="40000" dist="23000" dir="5400000" rotWithShape="0">
-              <a:srgbClr val="000000">
-                <a:alpha val="34510"/>
-              </a:srgbClr>
-            </a:outerShdw>
-          </a:effectLst>
-        </p:spPr>
-        <p:txBody>
-          <a:bodyPr spcFirstLastPara="1" wrap="square" lIns="91425" tIns="45700" rIns="91425" bIns="45700" anchor="ctr" anchorCtr="0">
-            <a:noAutofit/>
-          </a:bodyPr>
-          <a:lstStyle/>
-          <a:p>
-            <a:pPr marL="0" marR="0" lvl="0" indent="0" algn="ctr" rtl="0">
-              <a:lnSpc>
-                <a:spcPct val="100000"/>
-              </a:lnSpc>
-              <a:spcBef>
-                <a:spcPts val="0"/>
-              </a:spcBef>
-              <a:spcAft>
-                <a:spcPts val="0"/>
-              </a:spcAft>
-              <a:buClr>
-                <a:srgbClr val="000000"/>
-              </a:buClr>
-              <a:buSzPts val="1800"/>
-              <a:buFont typeface="Arial"/>
-              <a:buNone/>
-            </a:pPr>
-            <a:r>
-              <a:rPr lang="en-CA" sz="1800" b="1">
-                <a:latin typeface="Calibri"/>
-                <a:ea typeface="Calibri"/>
-                <a:cs typeface="Calibri"/>
-                <a:sym typeface="Calibri"/>
-              </a:rPr>
-              <a:t>ptx_oven_config</a:t>
-            </a:r>
-            <a:endParaRPr sz="1800" b="1">
-              <a:latin typeface="Calibri"/>
-              <a:ea typeface="Calibri"/>
-              <a:cs typeface="Calibri"/>
-              <a:sym typeface="Calibri"/>
-            </a:endParaRPr>
-          </a:p>
-        </p:txBody>
-      </p:sp>
-      <p:sp>
-        <p:nvSpPr>
-          <p:cNvPr id="192" name="Google Shape;192;g399f6197e88_0_0"/>
-          <p:cNvSpPr/>
-          <p:nvPr/>
-        </p:nvSpPr>
-        <p:spPr>
-          <a:xfrm>
-            <a:off x="4691900" y="2981995"/>
-            <a:ext cx="1981500" cy="660300"/>
-          </a:xfrm>
-          <a:prstGeom prst="rect">
-            <a:avLst/>
-          </a:prstGeom>
-          <a:gradFill>
-            <a:gsLst>
-              <a:gs pos="0">
-                <a:srgbClr val="B7CE88"/>
-              </a:gs>
-              <a:gs pos="100000">
-                <a:srgbClr val="778F45"/>
-              </a:gs>
-            </a:gsLst>
-            <a:lin ang="5400012" scaled="0"/>
-          </a:gradFill>
-          <a:ln w="9525" cap="flat" cmpd="sng">
-            <a:solidFill>
-              <a:srgbClr val="4A7DBA"/>
-            </a:solidFill>
-            <a:prstDash val="solid"/>
-            <a:round/>
-            <a:headEnd type="none" w="sm" len="sm"/>
-            <a:tailEnd type="none" w="sm" len="sm"/>
-          </a:ln>
-          <a:effectLst>
-            <a:outerShdw blurRad="40000" dist="23000" dir="5400000" rotWithShape="0">
-              <a:srgbClr val="000000">
-                <a:alpha val="34510"/>
-              </a:srgbClr>
-            </a:outerShdw>
-          </a:effectLst>
-        </p:spPr>
-        <p:txBody>
-          <a:bodyPr spcFirstLastPara="1" wrap="square" lIns="91425" tIns="45700" rIns="91425" bIns="45700" anchor="ctr" anchorCtr="0">
-            <a:noAutofit/>
-          </a:bodyPr>
-          <a:lstStyle/>
-          <a:p>
-            <a:pPr marL="0" marR="0" lvl="0" indent="0" algn="ctr" rtl="0">
-              <a:lnSpc>
-                <a:spcPct val="100000"/>
-              </a:lnSpc>
-              <a:spcBef>
-                <a:spcPts val="0"/>
-              </a:spcBef>
-              <a:spcAft>
-                <a:spcPts val="0"/>
-              </a:spcAft>
-              <a:buClr>
-                <a:srgbClr val="000000"/>
-              </a:buClr>
-              <a:buSzPts val="1800"/>
-              <a:buFont typeface="Arial"/>
-              <a:buNone/>
-            </a:pPr>
-            <a:r>
-              <a:rPr lang="en-CA" sz="1800" b="1">
-                <a:latin typeface="Calibri"/>
-                <a:ea typeface="Calibri"/>
-                <a:cs typeface="Calibri"/>
-                <a:sym typeface="Calibri"/>
-              </a:rPr>
-              <a:t>ptx_actuator</a:t>
-            </a:r>
-            <a:endParaRPr sz="1800" b="1">
-              <a:latin typeface="Calibri"/>
-              <a:ea typeface="Calibri"/>
-              <a:cs typeface="Calibri"/>
-              <a:sym typeface="Calibri"/>
-            </a:endParaRPr>
-          </a:p>
-        </p:txBody>
-      </p:sp>
-      <p:sp>
-        <p:nvSpPr>
-          <p:cNvPr id="193" name="Google Shape;193;g399f6197e88_0_0"/>
-          <p:cNvSpPr/>
-          <p:nvPr/>
-        </p:nvSpPr>
-        <p:spPr>
-          <a:xfrm>
-            <a:off x="2570125" y="2981995"/>
-            <a:ext cx="1981500" cy="660300"/>
-          </a:xfrm>
-          <a:prstGeom prst="rect">
-            <a:avLst/>
-          </a:prstGeom>
-          <a:gradFill>
-            <a:gsLst>
-              <a:gs pos="0">
-                <a:srgbClr val="B7CE88"/>
-              </a:gs>
-              <a:gs pos="100000">
-                <a:srgbClr val="778F45"/>
-              </a:gs>
-            </a:gsLst>
-            <a:lin ang="5400012" scaled="0"/>
-          </a:gradFill>
-          <a:ln w="9525" cap="flat" cmpd="sng">
-            <a:solidFill>
-              <a:srgbClr val="4A7DBA"/>
-            </a:solidFill>
-            <a:prstDash val="solid"/>
-            <a:round/>
-            <a:headEnd type="none" w="sm" len="sm"/>
-            <a:tailEnd type="none" w="sm" len="sm"/>
-          </a:ln>
-          <a:effectLst>
-            <a:outerShdw blurRad="40000" dist="23000" dir="5400000" rotWithShape="0">
-              <a:srgbClr val="000000">
-                <a:alpha val="34510"/>
-              </a:srgbClr>
-            </a:outerShdw>
-          </a:effectLst>
-        </p:spPr>
-        <p:txBody>
-          <a:bodyPr spcFirstLastPara="1" wrap="square" lIns="91425" tIns="45700" rIns="91425" bIns="45700" anchor="ctr" anchorCtr="0">
-            <a:noAutofit/>
-          </a:bodyPr>
-          <a:lstStyle/>
-          <a:p>
-            <a:pPr marL="0" marR="0" lvl="0" indent="0" algn="ctr" rtl="0">
-              <a:lnSpc>
-                <a:spcPct val="100000"/>
-              </a:lnSpc>
-              <a:spcBef>
-                <a:spcPts val="0"/>
-              </a:spcBef>
-              <a:spcAft>
-                <a:spcPts val="0"/>
-              </a:spcAft>
-              <a:buClr>
-                <a:srgbClr val="000000"/>
-              </a:buClr>
-              <a:buSzPts val="1800"/>
-              <a:buFont typeface="Arial"/>
-              <a:buNone/>
-            </a:pPr>
-            <a:r>
-              <a:rPr lang="en-CA" sz="1800" b="1">
-                <a:latin typeface="Calibri"/>
-                <a:ea typeface="Calibri"/>
-                <a:cs typeface="Calibri"/>
-                <a:sym typeface="Calibri"/>
-              </a:rPr>
-              <a:t>ptx_sensor_filter</a:t>
-            </a:r>
-            <a:endParaRPr sz="1800" b="1">
-              <a:latin typeface="Calibri"/>
-              <a:ea typeface="Calibri"/>
-              <a:cs typeface="Calibri"/>
-              <a:sym typeface="Calibri"/>
-            </a:endParaRPr>
-          </a:p>
-        </p:txBody>
-      </p:sp>
-      <p:sp>
-        <p:nvSpPr>
-          <p:cNvPr id="185" name="Google Shape;185;g399f6197e88_0_0"/>
-          <p:cNvSpPr/>
-          <p:nvPr/>
-        </p:nvSpPr>
-        <p:spPr>
-          <a:xfrm>
-            <a:off x="3322125" y="2106095"/>
-            <a:ext cx="2721300" cy="660300"/>
-          </a:xfrm>
-          <a:prstGeom prst="rect">
-            <a:avLst/>
-          </a:prstGeom>
-          <a:gradFill>
-            <a:gsLst>
-              <a:gs pos="0">
-                <a:srgbClr val="B7CE88"/>
-              </a:gs>
-              <a:gs pos="100000">
-                <a:srgbClr val="778F45"/>
-              </a:gs>
-            </a:gsLst>
-            <a:lin ang="5400012" scaled="0"/>
-          </a:gradFill>
-          <a:ln w="9525" cap="flat" cmpd="sng">
-            <a:solidFill>
-              <a:srgbClr val="4A7DBA"/>
-            </a:solidFill>
-            <a:prstDash val="solid"/>
-            <a:round/>
-            <a:headEnd type="none" w="sm" len="sm"/>
-            <a:tailEnd type="none" w="sm" len="sm"/>
-          </a:ln>
-          <a:effectLst>
-            <a:outerShdw blurRad="40000" dist="23000" dir="5400000" rotWithShape="0">
-              <a:srgbClr val="000000">
-                <a:alpha val="34510"/>
-              </a:srgbClr>
-            </a:outerShdw>
-          </a:effectLst>
-        </p:spPr>
-        <p:txBody>
-          <a:bodyPr spcFirstLastPara="1" wrap="square" lIns="91425" tIns="45700" rIns="91425" bIns="45700" anchor="ctr" anchorCtr="0">
-            <a:noAutofit/>
-          </a:bodyPr>
-          <a:lstStyle/>
-          <a:p>
-            <a:pPr marL="0" marR="0" lvl="0" indent="0" algn="ctr" rtl="0">
-              <a:lnSpc>
-                <a:spcPct val="100000"/>
-              </a:lnSpc>
-              <a:spcBef>
-                <a:spcPts val="0"/>
-              </a:spcBef>
-              <a:spcAft>
-                <a:spcPts val="0"/>
-              </a:spcAft>
-              <a:buClr>
-                <a:srgbClr val="000000"/>
-              </a:buClr>
-              <a:buSzPts val="1800"/>
-              <a:buFont typeface="Arial"/>
-              <a:buNone/>
-            </a:pPr>
-            <a:r>
-              <a:rPr lang="en-CA" sz="1800" b="1">
-                <a:latin typeface="Calibri"/>
-                <a:ea typeface="Calibri"/>
-                <a:cs typeface="Calibri"/>
-                <a:sym typeface="Calibri"/>
-              </a:rPr>
-              <a:t>ptx_oven_control</a:t>
-            </a:r>
-            <a:endParaRPr sz="1800" b="1">
-              <a:latin typeface="Calibri"/>
-              <a:ea typeface="Calibri"/>
-              <a:cs typeface="Calibri"/>
-              <a:sym typeface="Calibri"/>
-            </a:endParaRPr>
-          </a:p>
-        </p:txBody>
-      </p:sp>
-      <p:sp>
-        <p:nvSpPr>
-          <p:cNvPr id="194" name="Google Shape;194;g399f6197e88_0_0"/>
-          <p:cNvSpPr/>
-          <p:nvPr/>
-        </p:nvSpPr>
-        <p:spPr>
-          <a:xfrm>
-            <a:off x="267800" y="4893875"/>
-            <a:ext cx="1883100" cy="222600"/>
-          </a:xfrm>
-          <a:prstGeom prst="rect">
-            <a:avLst/>
-          </a:prstGeom>
-          <a:solidFill>
-            <a:srgbClr val="C9DAF8"/>
-          </a:solidFill>
-          <a:ln w="19050" cap="flat" cmpd="sng">
-            <a:solidFill>
-              <a:schemeClr val="dk2"/>
-            </a:solidFill>
-            <a:prstDash val="solid"/>
-            <a:round/>
-            <a:headEnd type="none" w="sm" len="sm"/>
-            <a:tailEnd type="none" w="sm" len="sm"/>
-          </a:ln>
-        </p:spPr>
-        <p:txBody>
-          <a:bodyPr spcFirstLastPara="1" wrap="square" lIns="91425" tIns="91425" rIns="91425" bIns="91425" anchor="ctr" anchorCtr="0">
-            <a:noAutofit/>
-          </a:bodyPr>
-          <a:lstStyle/>
-          <a:p>
-            <a:pPr marL="0" lvl="0" indent="0" algn="ctr" rtl="0">
-              <a:spcBef>
-                <a:spcPts val="0"/>
-              </a:spcBef>
-              <a:spcAft>
-                <a:spcPts val="0"/>
-              </a:spcAft>
-              <a:buNone/>
-            </a:pPr>
-            <a:r>
-              <a:rPr lang="en-CA" sz="2000" b="1">
-                <a:solidFill>
-                  <a:schemeClr val="dk1"/>
-                </a:solidFill>
-                <a:latin typeface="Calibri"/>
-                <a:ea typeface="Calibri"/>
-                <a:cs typeface="Calibri"/>
-                <a:sym typeface="Calibri"/>
-              </a:rPr>
-              <a:t>Hardware layer</a:t>
-            </a:r>
-            <a:endParaRPr>
-              <a:latin typeface="Calibri"/>
-              <a:ea typeface="Calibri"/>
-              <a:cs typeface="Calibri"/>
-              <a:sym typeface="Calibri"/>
-            </a:endParaRPr>
-          </a:p>
-        </p:txBody>
-      </p:sp>
-      <p:sp>
-        <p:nvSpPr>
-          <p:cNvPr id="195" name="Google Shape;195;g399f6197e88_0_0"/>
-          <p:cNvSpPr/>
-          <p:nvPr/>
-        </p:nvSpPr>
-        <p:spPr>
-          <a:xfrm>
-            <a:off x="3322125" y="4376621"/>
-            <a:ext cx="2721300" cy="365100"/>
-          </a:xfrm>
-          <a:prstGeom prst="rect">
-            <a:avLst/>
-          </a:prstGeom>
-          <a:gradFill>
-            <a:gsLst>
-              <a:gs pos="0">
-                <a:srgbClr val="FABA86"/>
-              </a:gs>
-              <a:gs pos="100000">
-                <a:srgbClr val="E97414"/>
-              </a:gs>
-            </a:gsLst>
-            <a:lin ang="5400012" scaled="0"/>
-          </a:gradFill>
-          <a:ln w="9525" cap="flat" cmpd="sng">
-            <a:solidFill>
-              <a:srgbClr val="4A7DBA"/>
-            </a:solidFill>
-            <a:prstDash val="solid"/>
-            <a:round/>
-            <a:headEnd type="none" w="sm" len="sm"/>
-            <a:tailEnd type="none" w="sm" len="sm"/>
-          </a:ln>
-          <a:effectLst>
-            <a:outerShdw blurRad="40000" dist="23000" dir="5400000" rotWithShape="0">
-              <a:srgbClr val="000000">
-                <a:alpha val="34510"/>
-              </a:srgbClr>
-            </a:outerShdw>
-          </a:effectLst>
-        </p:spPr>
-        <p:txBody>
-          <a:bodyPr spcFirstLastPara="1" wrap="square" lIns="91425" tIns="45700" rIns="91425" bIns="45700" anchor="ctr" anchorCtr="0">
-            <a:noAutofit/>
-          </a:bodyPr>
-          <a:lstStyle/>
-          <a:p>
-            <a:pPr marL="0" marR="0" lvl="0" indent="0" algn="ctr" rtl="0">
-              <a:lnSpc>
-                <a:spcPct val="100000"/>
-              </a:lnSpc>
-              <a:spcBef>
-                <a:spcPts val="0"/>
-              </a:spcBef>
-              <a:spcAft>
-                <a:spcPts val="0"/>
-              </a:spcAft>
-              <a:buClr>
-                <a:srgbClr val="000000"/>
-              </a:buClr>
-              <a:buSzPts val="1800"/>
-              <a:buFont typeface="Arial"/>
-              <a:buNone/>
-            </a:pPr>
-            <a:r>
-              <a:rPr lang="en-CA" sz="1800" b="1">
-                <a:latin typeface="Calibri"/>
-                <a:ea typeface="Calibri"/>
-                <a:cs typeface="Calibri"/>
-                <a:sym typeface="Calibri"/>
-              </a:rPr>
-              <a:t>api.cpp</a:t>
-            </a:r>
-            <a:endParaRPr sz="1800" b="1">
-              <a:latin typeface="Calibri"/>
-              <a:ea typeface="Calibri"/>
-              <a:cs typeface="Calibri"/>
-              <a:sym typeface="Calibri"/>
-            </a:endParaRPr>
-          </a:p>
-        </p:txBody>
-      </p:sp>
-      <p:sp>
-        <p:nvSpPr>
-          <p:cNvPr id="196" name="Google Shape;196;g399f6197e88_0_0"/>
-          <p:cNvSpPr/>
-          <p:nvPr/>
-        </p:nvSpPr>
-        <p:spPr>
-          <a:xfrm>
-            <a:off x="3130250" y="4233650"/>
-            <a:ext cx="3103200" cy="660300"/>
+            <a:off x="6400800" y="1637969"/>
+            <a:ext cx="792205" cy="307777"/>
           </a:xfrm>
           <a:prstGeom prst="rect">
             <a:avLst/>
           </a:prstGeom>
           <a:noFill/>
-          <a:ln w="19050" cap="flat" cmpd="sng">
-            <a:solidFill>
-              <a:schemeClr val="dk2"/>
-            </a:solidFill>
-            <a:prstDash val="solid"/>
-            <a:round/>
-            <a:headEnd type="none" w="sm" len="sm"/>
-            <a:tailEnd type="none" w="sm" len="sm"/>
-          </a:ln>
         </p:spPr>
         <p:txBody>
-          <a:bodyPr spcFirstLastPara="1" wrap="square" lIns="91425" tIns="91425" rIns="91425" bIns="91425" anchor="ctr" anchorCtr="0">
-            <a:noAutofit/>
+          <a:bodyPr wrap="none" rtlCol="0">
+            <a:spAutoFit/>
           </a:bodyPr>
           <a:lstStyle/>
           <a:p>
-            <a:pPr marL="0" lvl="0" indent="0" algn="ctr" rtl="0">
-              <a:spcBef>
-                <a:spcPts val="0"/>
-              </a:spcBef>
-              <a:spcAft>
-                <a:spcPts val="0"/>
-              </a:spcAft>
-              <a:buNone/>
-            </a:pPr>
-            <a:endParaRPr>
-              <a:latin typeface="Calibri"/>
-              <a:ea typeface="Calibri"/>
-              <a:cs typeface="Calibri"/>
-              <a:sym typeface="Calibri"/>
-            </a:endParaRPr>
+            <a:r>
+              <a:rPr lang="en-US" dirty="0">
+                <a:hlinkClick r:id="rId3"/>
+              </a:rPr>
+              <a:t>Link full</a:t>
+            </a:r>
+            <a:endParaRPr lang="en-US" dirty="0"/>
           </a:p>
         </p:txBody>
       </p:sp>
-      <p:sp>
-        <p:nvSpPr>
-          <p:cNvPr id="197" name="Google Shape;197;g399f6197e88_0_0"/>
-          <p:cNvSpPr/>
+      <p:pic>
+        <p:nvPicPr>
+          <p:cNvPr id="2052" name="Picture 4">
+            <a:extLst>
+              <a:ext uri="{FF2B5EF4-FFF2-40B4-BE49-F238E27FC236}">
+                <a16:creationId xmlns:a16="http://schemas.microsoft.com/office/drawing/2014/main" id="{96E166A5-B99D-9D89-682A-63AA3865CF66}"/>
+              </a:ext>
+            </a:extLst>
+          </p:cNvPr>
+          <p:cNvPicPr>
+            <a:picLocks noChangeAspect="1" noChangeArrowheads="1"/>
+          </p:cNvPicPr>
           <p:nvPr/>
-        </p:nvSpPr>
-        <p:spPr>
+        </p:nvPicPr>
+        <p:blipFill>
+          <a:blip r:embed="rId4">
+            <a:extLst>
+              <a:ext uri="{28A0092B-C50C-407E-A947-70E740481C1C}">
+                <a14:useLocalDpi xmlns:a14="http://schemas.microsoft.com/office/drawing/2010/main" val="0"/>
+              </a:ext>
+            </a:extLst>
+          </a:blip>
+          <a:srcRect/>
+          <a:stretch>
+            <a:fillRect/>
+          </a:stretch>
+        </p:blipFill>
+        <p:spPr bwMode="auto">
           <a:xfrm>
-            <a:off x="3130250" y="4011300"/>
-            <a:ext cx="813900" cy="222600"/>
+            <a:off x="711558" y="1473467"/>
+            <a:ext cx="4838784" cy="5029789"/>
           </a:xfrm>
           <a:prstGeom prst="rect">
             <a:avLst/>
           </a:prstGeom>
-          <a:solidFill>
-            <a:srgbClr val="FCE5CD"/>
-          </a:solidFill>
-          <a:ln w="19050" cap="flat" cmpd="sng">
-            <a:solidFill>
-              <a:schemeClr val="dk2"/>
-            </a:solidFill>
-            <a:prstDash val="solid"/>
-            <a:round/>
-            <a:headEnd type="none" w="sm" len="sm"/>
-            <a:tailEnd type="none" w="sm" len="sm"/>
-          </a:ln>
+          <a:noFill/>
+          <a:extLst>
+            <a:ext uri="{909E8E84-426E-40DD-AFC4-6F175D3DCCD1}">
+              <a14:hiddenFill xmlns:a14="http://schemas.microsoft.com/office/drawing/2010/main">
+                <a:solidFill>
+                  <a:srgbClr val="FFFFFF"/>
+                </a:solidFill>
+              </a14:hiddenFill>
+            </a:ext>
+          </a:extLst>
         </p:spPr>
-        <p:txBody>
-          <a:bodyPr spcFirstLastPara="1" wrap="square" lIns="91425" tIns="91425" rIns="91425" bIns="91425" anchor="ctr" anchorCtr="0">
-            <a:noAutofit/>
-          </a:bodyPr>
-          <a:lstStyle/>
-          <a:p>
-            <a:pPr marL="0" lvl="0" indent="0" algn="ctr" rtl="0">
-              <a:spcBef>
-                <a:spcPts val="0"/>
-              </a:spcBef>
-              <a:spcAft>
-                <a:spcPts val="0"/>
-              </a:spcAft>
-              <a:buNone/>
-            </a:pPr>
-            <a:r>
-              <a:rPr lang="en-CA" sz="2000" b="1">
-                <a:solidFill>
-                  <a:schemeClr val="dk1"/>
-                </a:solidFill>
-                <a:latin typeface="Calibri"/>
-                <a:ea typeface="Calibri"/>
-                <a:cs typeface="Calibri"/>
-                <a:sym typeface="Calibri"/>
-              </a:rPr>
-              <a:t>HAL</a:t>
-            </a:r>
-            <a:endParaRPr>
-              <a:latin typeface="Calibri"/>
-              <a:ea typeface="Calibri"/>
-              <a:cs typeface="Calibri"/>
-              <a:sym typeface="Calibri"/>
-            </a:endParaRPr>
-          </a:p>
-        </p:txBody>
-      </p:sp>
-      <p:cxnSp>
-        <p:nvCxnSpPr>
-          <p:cNvPr id="198" name="Google Shape;198;g399f6197e88_0_0"/>
-          <p:cNvCxnSpPr/>
-          <p:nvPr/>
-        </p:nvCxnSpPr>
-        <p:spPr>
-          <a:xfrm>
-            <a:off x="2909825" y="2436245"/>
-            <a:ext cx="0" cy="523200"/>
-          </a:xfrm>
-          <a:prstGeom prst="straightConnector1">
-            <a:avLst/>
-          </a:prstGeom>
-          <a:noFill/>
-          <a:ln w="38100" cap="flat" cmpd="sng">
-            <a:solidFill>
-              <a:schemeClr val="accent1"/>
-            </a:solidFill>
-            <a:prstDash val="solid"/>
-            <a:round/>
-            <a:headEnd type="none" w="sm" len="sm"/>
-            <a:tailEnd type="triangle" w="med" len="med"/>
-          </a:ln>
-          <a:effectLst>
-            <a:outerShdw blurRad="40000" dist="20000" dir="5400000" rotWithShape="0">
-              <a:srgbClr val="000000">
-                <a:alpha val="37250"/>
-              </a:srgbClr>
-            </a:outerShdw>
-          </a:effectLst>
-        </p:spPr>
-      </p:cxnSp>
-      <p:sp>
-        <p:nvSpPr>
-          <p:cNvPr id="199" name="Google Shape;199;g399f6197e88_0_0"/>
-          <p:cNvSpPr/>
-          <p:nvPr/>
-        </p:nvSpPr>
-        <p:spPr>
-          <a:xfrm>
-            <a:off x="303352" y="1710743"/>
-            <a:ext cx="1849800" cy="222600"/>
-          </a:xfrm>
-          <a:prstGeom prst="rect">
-            <a:avLst/>
-          </a:prstGeom>
-          <a:solidFill>
-            <a:srgbClr val="D9EAD3"/>
-          </a:solidFill>
-          <a:ln w="19050" cap="flat" cmpd="sng">
-            <a:solidFill>
-              <a:schemeClr val="dk2"/>
-            </a:solidFill>
-            <a:prstDash val="solid"/>
-            <a:round/>
-            <a:headEnd type="none" w="sm" len="sm"/>
-            <a:tailEnd type="none" w="sm" len="sm"/>
-          </a:ln>
-        </p:spPr>
-        <p:txBody>
-          <a:bodyPr spcFirstLastPara="1" wrap="square" lIns="91425" tIns="91425" rIns="91425" bIns="91425" anchor="ctr" anchorCtr="0">
-            <a:noAutofit/>
-          </a:bodyPr>
-          <a:lstStyle/>
-          <a:p>
-            <a:pPr marL="0" lvl="0" indent="0" algn="ctr" rtl="0">
-              <a:spcBef>
-                <a:spcPts val="0"/>
-              </a:spcBef>
-              <a:spcAft>
-                <a:spcPts val="0"/>
-              </a:spcAft>
-              <a:buNone/>
-            </a:pPr>
-            <a:r>
-              <a:rPr lang="en-CA" sz="2000" b="1" dirty="0">
-                <a:solidFill>
-                  <a:schemeClr val="dk1"/>
-                </a:solidFill>
-                <a:latin typeface="Calibri"/>
-                <a:ea typeface="Calibri"/>
-                <a:cs typeface="Calibri"/>
-                <a:sym typeface="Calibri"/>
-              </a:rPr>
-              <a:t>Control layer</a:t>
-            </a:r>
-            <a:endParaRPr dirty="0">
-              <a:latin typeface="Calibri"/>
-              <a:ea typeface="Calibri"/>
-              <a:cs typeface="Calibri"/>
-              <a:sym typeface="Calibri"/>
-            </a:endParaRPr>
-          </a:p>
-        </p:txBody>
-      </p:sp>
-      <p:cxnSp>
-        <p:nvCxnSpPr>
-          <p:cNvPr id="200" name="Google Shape;200;g399f6197e88_0_0"/>
-          <p:cNvCxnSpPr>
-            <a:stCxn id="185" idx="3"/>
-            <a:endCxn id="190" idx="0"/>
-          </p:cNvCxnSpPr>
-          <p:nvPr/>
-        </p:nvCxnSpPr>
-        <p:spPr>
-          <a:xfrm>
-            <a:off x="6043425" y="2436245"/>
-            <a:ext cx="1761000" cy="545700"/>
-          </a:xfrm>
-          <a:prstGeom prst="bentConnector2">
-            <a:avLst/>
-          </a:prstGeom>
-          <a:noFill/>
-          <a:ln w="38100" cap="flat" cmpd="sng">
-            <a:solidFill>
-              <a:schemeClr val="accent1"/>
-            </a:solidFill>
-            <a:prstDash val="solid"/>
-            <a:round/>
-            <a:headEnd type="none" w="sm" len="sm"/>
-            <a:tailEnd type="triangle" w="med" len="med"/>
-          </a:ln>
-          <a:effectLst>
-            <a:outerShdw blurRad="40000" dist="20000" dir="5400000" rotWithShape="0">
-              <a:srgbClr val="000000">
-                <a:alpha val="37250"/>
-              </a:srgbClr>
-            </a:outerShdw>
-          </a:effectLst>
-        </p:spPr>
-      </p:cxnSp>
-      <p:cxnSp>
-        <p:nvCxnSpPr>
-          <p:cNvPr id="201" name="Google Shape;201;g399f6197e88_0_0"/>
-          <p:cNvCxnSpPr>
-            <a:stCxn id="185" idx="1"/>
-            <a:endCxn id="191" idx="0"/>
-          </p:cNvCxnSpPr>
-          <p:nvPr/>
-        </p:nvCxnSpPr>
-        <p:spPr>
-          <a:xfrm flipH="1">
-            <a:off x="1439025" y="2436245"/>
-            <a:ext cx="1883100" cy="545700"/>
-          </a:xfrm>
-          <a:prstGeom prst="bentConnector2">
-            <a:avLst/>
-          </a:prstGeom>
-          <a:noFill/>
-          <a:ln w="38100" cap="flat" cmpd="sng">
-            <a:solidFill>
-              <a:schemeClr val="accent1"/>
-            </a:solidFill>
-            <a:prstDash val="solid"/>
-            <a:round/>
-            <a:headEnd type="none" w="sm" len="sm"/>
-            <a:tailEnd type="triangle" w="med" len="med"/>
-          </a:ln>
-          <a:effectLst>
-            <a:outerShdw blurRad="40000" dist="20000" dir="5400000" rotWithShape="0">
-              <a:srgbClr val="000000">
-                <a:alpha val="37250"/>
-              </a:srgbClr>
-            </a:outerShdw>
-          </a:effectLst>
-        </p:spPr>
-      </p:cxnSp>
-      <p:cxnSp>
-        <p:nvCxnSpPr>
-          <p:cNvPr id="202" name="Google Shape;202;g399f6197e88_0_0"/>
-          <p:cNvCxnSpPr/>
-          <p:nvPr/>
-        </p:nvCxnSpPr>
-        <p:spPr>
-          <a:xfrm>
-            <a:off x="6377875" y="2447495"/>
-            <a:ext cx="0" cy="523200"/>
-          </a:xfrm>
-          <a:prstGeom prst="straightConnector1">
-            <a:avLst/>
-          </a:prstGeom>
-          <a:noFill/>
-          <a:ln w="38100" cap="flat" cmpd="sng">
-            <a:solidFill>
-              <a:schemeClr val="accent1"/>
-            </a:solidFill>
-            <a:prstDash val="solid"/>
-            <a:round/>
-            <a:headEnd type="none" w="sm" len="sm"/>
-            <a:tailEnd type="triangle" w="med" len="med"/>
-          </a:ln>
-          <a:effectLst>
-            <a:outerShdw blurRad="40000" dist="20000" dir="5400000" rotWithShape="0">
-              <a:srgbClr val="000000">
-                <a:alpha val="37250"/>
-              </a:srgbClr>
-            </a:outerShdw>
-          </a:effectLst>
-        </p:spPr>
-      </p:cxnSp>
-      <p:cxnSp>
-        <p:nvCxnSpPr>
-          <p:cNvPr id="203" name="Google Shape;203;g399f6197e88_0_0"/>
-          <p:cNvCxnSpPr>
-            <a:stCxn id="190" idx="2"/>
-            <a:endCxn id="196" idx="0"/>
-          </p:cNvCxnSpPr>
-          <p:nvPr/>
-        </p:nvCxnSpPr>
-        <p:spPr>
-          <a:xfrm rot="5400000">
-            <a:off x="5947425" y="2376595"/>
-            <a:ext cx="591300" cy="3122700"/>
-          </a:xfrm>
-          <a:prstGeom prst="bentConnector3">
-            <a:avLst>
-              <a:gd name="adj1" fmla="val 23153"/>
-            </a:avLst>
-          </a:prstGeom>
-          <a:noFill/>
-          <a:ln w="38100" cap="flat" cmpd="sng">
-            <a:solidFill>
-              <a:schemeClr val="accent1"/>
-            </a:solidFill>
-            <a:prstDash val="solid"/>
-            <a:round/>
-            <a:headEnd type="none" w="sm" len="sm"/>
-            <a:tailEnd type="triangle" w="med" len="med"/>
-          </a:ln>
-          <a:effectLst>
-            <a:outerShdw blurRad="40000" dist="20000" dir="5400000" rotWithShape="0">
-              <a:srgbClr val="000000">
-                <a:alpha val="37250"/>
-              </a:srgbClr>
-            </a:outerShdw>
-          </a:effectLst>
-        </p:spPr>
-      </p:cxnSp>
-      <p:cxnSp>
-        <p:nvCxnSpPr>
-          <p:cNvPr id="204" name="Google Shape;204;g399f6197e88_0_0"/>
-          <p:cNvCxnSpPr>
-            <a:stCxn id="193" idx="2"/>
-            <a:endCxn id="196" idx="0"/>
-          </p:cNvCxnSpPr>
-          <p:nvPr/>
-        </p:nvCxnSpPr>
-        <p:spPr>
-          <a:xfrm rot="-5400000" flipH="1">
-            <a:off x="3825775" y="3377395"/>
-            <a:ext cx="591300" cy="1121100"/>
-          </a:xfrm>
-          <a:prstGeom prst="bentConnector3">
-            <a:avLst>
-              <a:gd name="adj1" fmla="val 21111"/>
-            </a:avLst>
-          </a:prstGeom>
-          <a:noFill/>
-          <a:ln w="38100" cap="flat" cmpd="sng">
-            <a:solidFill>
-              <a:schemeClr val="accent1"/>
-            </a:solidFill>
-            <a:prstDash val="solid"/>
-            <a:round/>
-            <a:headEnd type="none" w="sm" len="sm"/>
-            <a:tailEnd type="triangle" w="med" len="med"/>
-          </a:ln>
-          <a:effectLst>
-            <a:outerShdw blurRad="40000" dist="20000" dir="5400000" rotWithShape="0">
-              <a:srgbClr val="000000">
-                <a:alpha val="37250"/>
-              </a:srgbClr>
-            </a:outerShdw>
-          </a:effectLst>
-        </p:spPr>
-      </p:cxnSp>
-      <p:cxnSp>
-        <p:nvCxnSpPr>
-          <p:cNvPr id="205" name="Google Shape;205;g399f6197e88_0_0"/>
-          <p:cNvCxnSpPr>
-            <a:stCxn id="192" idx="2"/>
-            <a:endCxn id="196" idx="0"/>
-          </p:cNvCxnSpPr>
-          <p:nvPr/>
-        </p:nvCxnSpPr>
-        <p:spPr>
-          <a:xfrm rot="5400000">
-            <a:off x="4886600" y="3437545"/>
-            <a:ext cx="591300" cy="1000800"/>
-          </a:xfrm>
-          <a:prstGeom prst="bentConnector3">
-            <a:avLst>
-              <a:gd name="adj1" fmla="val 23153"/>
-            </a:avLst>
-          </a:prstGeom>
-          <a:noFill/>
-          <a:ln w="38100" cap="flat" cmpd="sng">
-            <a:solidFill>
-              <a:schemeClr val="accent1"/>
-            </a:solidFill>
-            <a:prstDash val="solid"/>
-            <a:round/>
-            <a:headEnd type="none" w="sm" len="sm"/>
-            <a:tailEnd type="triangle" w="med" len="med"/>
-          </a:ln>
-          <a:effectLst>
-            <a:outerShdw blurRad="40000" dist="20000" dir="5400000" rotWithShape="0">
-              <a:srgbClr val="000000">
-                <a:alpha val="37250"/>
-              </a:srgbClr>
-            </a:outerShdw>
-          </a:effectLst>
-        </p:spPr>
-      </p:cxnSp>
-      <p:cxnSp>
-        <p:nvCxnSpPr>
-          <p:cNvPr id="206" name="Google Shape;206;g399f6197e88_0_0"/>
-          <p:cNvCxnSpPr/>
-          <p:nvPr/>
-        </p:nvCxnSpPr>
-        <p:spPr>
-          <a:xfrm>
-            <a:off x="4682775" y="4894007"/>
-            <a:ext cx="0" cy="443100"/>
-          </a:xfrm>
-          <a:prstGeom prst="straightConnector1">
-            <a:avLst/>
-          </a:prstGeom>
-          <a:noFill/>
-          <a:ln w="38100" cap="flat" cmpd="sng">
-            <a:solidFill>
-              <a:schemeClr val="accent1"/>
-            </a:solidFill>
-            <a:prstDash val="solid"/>
-            <a:round/>
-            <a:headEnd type="none" w="sm" len="sm"/>
-            <a:tailEnd type="triangle" w="med" len="med"/>
-          </a:ln>
-          <a:effectLst>
-            <a:outerShdw blurRad="40000" dist="20000" dir="5400000" rotWithShape="0">
-              <a:srgbClr val="000000">
-                <a:alpha val="37250"/>
-              </a:srgbClr>
-            </a:outerShdw>
-          </a:effectLst>
-        </p:spPr>
-      </p:cxnSp>
-      <p:sp>
-        <p:nvSpPr>
-          <p:cNvPr id="207" name="Google Shape;207;g399f6197e88_0_0"/>
-          <p:cNvSpPr/>
-          <p:nvPr/>
-        </p:nvSpPr>
-        <p:spPr>
-          <a:xfrm>
-            <a:off x="7166541" y="5365950"/>
-            <a:ext cx="1568400" cy="660300"/>
-          </a:xfrm>
-          <a:prstGeom prst="rect">
-            <a:avLst/>
-          </a:prstGeom>
-          <a:gradFill>
-            <a:gsLst>
-              <a:gs pos="0">
-                <a:srgbClr val="3176EE"/>
-              </a:gs>
-              <a:gs pos="100000">
-                <a:srgbClr val="113D8A"/>
-              </a:gs>
-            </a:gsLst>
-            <a:lin ang="5400012" scaled="0"/>
-          </a:gradFill>
-          <a:ln w="9525" cap="flat" cmpd="sng">
-            <a:solidFill>
-              <a:srgbClr val="4A7DBA"/>
-            </a:solidFill>
-            <a:prstDash val="solid"/>
-            <a:round/>
-            <a:headEnd type="none" w="sm" len="sm"/>
-            <a:tailEnd type="none" w="sm" len="sm"/>
-          </a:ln>
-          <a:effectLst>
-            <a:outerShdw blurRad="40000" dist="23000" dir="5400000" rotWithShape="0">
-              <a:srgbClr val="000000">
-                <a:alpha val="34510"/>
-              </a:srgbClr>
-            </a:outerShdw>
-          </a:effectLst>
-        </p:spPr>
-        <p:txBody>
-          <a:bodyPr spcFirstLastPara="1" wrap="square" lIns="91425" tIns="45700" rIns="91425" bIns="45700" anchor="ctr" anchorCtr="0">
-            <a:noAutofit/>
-          </a:bodyPr>
-          <a:lstStyle/>
-          <a:p>
-            <a:pPr marL="0" marR="0" lvl="0" indent="0" algn="ctr" rtl="0">
-              <a:lnSpc>
-                <a:spcPct val="100000"/>
-              </a:lnSpc>
-              <a:spcBef>
-                <a:spcPts val="0"/>
-              </a:spcBef>
-              <a:spcAft>
-                <a:spcPts val="0"/>
-              </a:spcAft>
-              <a:buClr>
-                <a:srgbClr val="000000"/>
-              </a:buClr>
-              <a:buSzPts val="1800"/>
-              <a:buFont typeface="Arial"/>
-              <a:buNone/>
-            </a:pPr>
-            <a:r>
-              <a:rPr lang="en-CA" sz="1600" b="1">
-                <a:latin typeface="Calibri"/>
-                <a:ea typeface="Calibri"/>
-                <a:cs typeface="Calibri"/>
-                <a:sym typeface="Calibri"/>
-              </a:rPr>
-              <a:t>System LED</a:t>
-            </a:r>
-            <a:endParaRPr sz="1600" b="1">
-              <a:latin typeface="Calibri"/>
-              <a:ea typeface="Calibri"/>
-              <a:cs typeface="Calibri"/>
-              <a:sym typeface="Calibri"/>
-            </a:endParaRPr>
-          </a:p>
-          <a:p>
-            <a:pPr marL="0" marR="0" lvl="0" indent="0" algn="ctr" rtl="0">
-              <a:lnSpc>
-                <a:spcPct val="100000"/>
-              </a:lnSpc>
-              <a:spcBef>
-                <a:spcPts val="0"/>
-              </a:spcBef>
-              <a:spcAft>
-                <a:spcPts val="0"/>
-              </a:spcAft>
-              <a:buClr>
-                <a:srgbClr val="000000"/>
-              </a:buClr>
-              <a:buSzPts val="1800"/>
-              <a:buFont typeface="Arial"/>
-              <a:buNone/>
-            </a:pPr>
-            <a:r>
-              <a:rPr lang="en-CA" sz="1600" b="1">
-                <a:latin typeface="Calibri"/>
-                <a:ea typeface="Calibri"/>
-                <a:cs typeface="Calibri"/>
-                <a:sym typeface="Calibri"/>
-              </a:rPr>
-              <a:t>(Digital Output)</a:t>
-            </a:r>
-            <a:endParaRPr sz="1600" b="1">
-              <a:latin typeface="Calibri"/>
-              <a:ea typeface="Calibri"/>
-              <a:cs typeface="Calibri"/>
-              <a:sym typeface="Calibri"/>
-            </a:endParaRPr>
-          </a:p>
-        </p:txBody>
-      </p:sp>
+      </p:pic>
     </p:spTree>
   </p:cSld>
   <p:clrMapOvr>
@@ -21626,7 +19882,7 @@
               </a:rPr>
               <a:t>: https://github.com/ngvanhak49/simple_compress</a:t>
             </a:r>
-            <a:endParaRPr sz="2000" b="1" dirty="0">
+            <a:endParaRPr lang="en-US" sz="2000" b="1" dirty="0">
               <a:solidFill>
                 <a:schemeClr val="dk1"/>
               </a:solidFill>
@@ -23154,10 +21410,10 @@
               <a:buNone/>
             </a:pPr>
             <a:r>
-              <a:rPr lang="en-CA"/>
+              <a:rPr lang="en-CA" dirty="0"/>
               <a:t>Test report - Critical cases only</a:t>
             </a:r>
-            <a:endParaRPr/>
+            <a:endParaRPr dirty="0"/>
           </a:p>
         </p:txBody>
       </p:sp>
@@ -23211,178 +21467,1679 @@
           </a:p>
         </p:txBody>
       </p:sp>
-      <p:pic>
-        <p:nvPicPr>
-          <p:cNvPr id="346" name="Google Shape;346;p16"/>
-          <p:cNvPicPr preferRelativeResize="0"/>
-          <p:nvPr/>
-        </p:nvPicPr>
-        <p:blipFill>
-          <a:blip r:embed="rId3">
-            <a:alphaModFix/>
-          </a:blip>
-          <a:stretch>
-            <a:fillRect/>
-          </a:stretch>
-        </p:blipFill>
-        <p:spPr>
-          <a:xfrm>
-            <a:off x="386175" y="1800275"/>
-            <a:ext cx="8371649" cy="2991100"/>
-          </a:xfrm>
-          <a:prstGeom prst="rect">
-            <a:avLst/>
-          </a:prstGeom>
-          <a:noFill/>
-          <a:ln>
-            <a:noFill/>
-          </a:ln>
-        </p:spPr>
-      </p:pic>
-      <p:sp>
-        <p:nvSpPr>
-          <p:cNvPr id="347" name="Google Shape;347;p16"/>
-          <p:cNvSpPr txBox="1"/>
-          <p:nvPr/>
-        </p:nvSpPr>
-        <p:spPr>
-          <a:xfrm>
-            <a:off x="5812231" y="6194621"/>
-            <a:ext cx="2505000" cy="369300"/>
-          </a:xfrm>
-          <a:prstGeom prst="rect">
-            <a:avLst/>
-          </a:prstGeom>
-          <a:noFill/>
-          <a:ln>
-            <a:noFill/>
-          </a:ln>
-        </p:spPr>
-        <p:txBody>
-          <a:bodyPr spcFirstLastPara="1" wrap="square" lIns="91425" tIns="45700" rIns="91425" bIns="45700" anchor="t" anchorCtr="0">
-            <a:spAutoFit/>
-          </a:bodyPr>
-          <a:lstStyle/>
-          <a:p>
-            <a:pPr marL="0" marR="0" lvl="0" indent="0" algn="l" rtl="0">
-              <a:lnSpc>
-                <a:spcPct val="100000"/>
-              </a:lnSpc>
-              <a:spcBef>
-                <a:spcPts val="0"/>
-              </a:spcBef>
-              <a:spcAft>
-                <a:spcPts val="0"/>
-              </a:spcAft>
-              <a:buClr>
-                <a:srgbClr val="000000"/>
-              </a:buClr>
-              <a:buSzPts val="1800"/>
-              <a:buFont typeface="Arial"/>
-              <a:buNone/>
-            </a:pPr>
-            <a:r>
-              <a:rPr lang="en-CA" sz="1800" u="sng">
-                <a:solidFill>
-                  <a:schemeClr val="hlink"/>
-                </a:solidFill>
-                <a:latin typeface="Calibri"/>
-                <a:ea typeface="Calibri"/>
-                <a:cs typeface="Calibri"/>
-                <a:sym typeface="Calibri"/>
-                <a:hlinkClick r:id="rId4"/>
-              </a:rPr>
-              <a:t>LlNK FULL TEST REPORT</a:t>
-            </a:r>
-            <a:endParaRPr sz="1800" b="0" i="0" u="none" strike="noStrike" cap="none">
-              <a:solidFill>
-                <a:schemeClr val="dk1"/>
-              </a:solidFill>
-              <a:latin typeface="Calibri"/>
-              <a:ea typeface="Calibri"/>
-              <a:cs typeface="Calibri"/>
-              <a:sym typeface="Calibri"/>
-            </a:endParaRPr>
-          </a:p>
-        </p:txBody>
-      </p:sp>
-      <p:grpSp>
-        <p:nvGrpSpPr>
-          <p:cNvPr id="348" name="Google Shape;348;p16"/>
-          <p:cNvGrpSpPr/>
-          <p:nvPr/>
-        </p:nvGrpSpPr>
-        <p:grpSpPr>
-          <a:xfrm>
-            <a:off x="7476450" y="3999775"/>
-            <a:ext cx="1747425" cy="1747425"/>
-            <a:chOff x="7503100" y="1216625"/>
-            <a:chExt cx="1747425" cy="1747425"/>
-          </a:xfrm>
-        </p:grpSpPr>
-        <p:pic>
-          <p:nvPicPr>
-            <p:cNvPr id="349" name="Google Shape;349;p16" title="happy_santa1 - Copy.png"/>
-            <p:cNvPicPr preferRelativeResize="0"/>
-            <p:nvPr/>
-          </p:nvPicPr>
-          <p:blipFill>
-            <a:blip r:embed="rId5">
-              <a:alphaModFix/>
-            </a:blip>
-            <a:stretch>
-              <a:fillRect/>
-            </a:stretch>
-          </p:blipFill>
-          <p:spPr>
-            <a:xfrm>
-              <a:off x="7503100" y="1216625"/>
-              <a:ext cx="1747425" cy="1747425"/>
-            </a:xfrm>
-            <a:prstGeom prst="rect">
-              <a:avLst/>
-            </a:prstGeom>
-            <a:noFill/>
-            <a:ln>
-              <a:noFill/>
-            </a:ln>
-          </p:spPr>
-        </p:pic>
-        <p:pic>
-          <p:nvPicPr>
-            <p:cNvPr id="350" name="Google Shape;350;p16"/>
-            <p:cNvPicPr preferRelativeResize="0"/>
-            <p:nvPr/>
-          </p:nvPicPr>
-          <p:blipFill rotWithShape="1">
-            <a:blip r:embed="rId6">
-              <a:alphaModFix/>
-            </a:blip>
-            <a:srcRect t="53737" b="-7675"/>
-            <a:stretch/>
-          </p:blipFill>
-          <p:spPr>
-            <a:xfrm>
-              <a:off x="8022058" y="2213475"/>
-              <a:ext cx="709500" cy="550800"/>
-            </a:xfrm>
-            <a:prstGeom prst="rect">
-              <a:avLst/>
-            </a:prstGeom>
-            <a:noFill/>
-            <a:ln>
-              <a:noFill/>
-            </a:ln>
-            <a:effectLst>
-              <a:outerShdw blurRad="57150" dist="19050" dir="5400000" algn="bl" rotWithShape="0">
-                <a:schemeClr val="lt1">
-                  <a:alpha val="50000"/>
-                </a:schemeClr>
-              </a:outerShdw>
-            </a:effectLst>
-          </p:spPr>
-        </p:pic>
-      </p:grpSp>
+      <p:graphicFrame>
+        <p:nvGraphicFramePr>
+          <p:cNvPr id="2" name="Table 1">
+            <a:extLst>
+              <a:ext uri="{FF2B5EF4-FFF2-40B4-BE49-F238E27FC236}">
+                <a16:creationId xmlns:a16="http://schemas.microsoft.com/office/drawing/2014/main" id="{D542A297-8BC0-3F7F-6665-EF0CB9213335}"/>
+              </a:ext>
+            </a:extLst>
+          </p:cNvPr>
+          <p:cNvGraphicFramePr>
+            <a:graphicFrameLocks noGrp="1"/>
+          </p:cNvGraphicFramePr>
+          <p:nvPr>
+            <p:extLst>
+              <p:ext uri="{D42A27DB-BD31-4B8C-83A1-F6EECF244321}">
+                <p14:modId xmlns:p14="http://schemas.microsoft.com/office/powerpoint/2010/main" val="2063924499"/>
+              </p:ext>
+            </p:extLst>
+          </p:nvPr>
+        </p:nvGraphicFramePr>
+        <p:xfrm>
+          <a:off x="763325" y="1600199"/>
+          <a:ext cx="7633251" cy="2574234"/>
+        </p:xfrm>
+        <a:graphic>
+          <a:graphicData uri="http://schemas.openxmlformats.org/drawingml/2006/table">
+            <a:tbl>
+              <a:tblPr/>
+              <a:tblGrid>
+                <a:gridCol w="547589">
+                  <a:extLst>
+                    <a:ext uri="{9D8B030D-6E8A-4147-A177-3AD203B41FA5}">
+                      <a16:colId xmlns:a16="http://schemas.microsoft.com/office/drawing/2014/main" val="3870091170"/>
+                    </a:ext>
+                  </a:extLst>
+                </a:gridCol>
+                <a:gridCol w="1128164">
+                  <a:extLst>
+                    <a:ext uri="{9D8B030D-6E8A-4147-A177-3AD203B41FA5}">
+                      <a16:colId xmlns:a16="http://schemas.microsoft.com/office/drawing/2014/main" val="1366143999"/>
+                    </a:ext>
+                  </a:extLst>
+                </a:gridCol>
+                <a:gridCol w="3292127">
+                  <a:extLst>
+                    <a:ext uri="{9D8B030D-6E8A-4147-A177-3AD203B41FA5}">
+                      <a16:colId xmlns:a16="http://schemas.microsoft.com/office/drawing/2014/main" val="811654269"/>
+                    </a:ext>
+                  </a:extLst>
+                </a:gridCol>
+                <a:gridCol w="409042">
+                  <a:extLst>
+                    <a:ext uri="{9D8B030D-6E8A-4147-A177-3AD203B41FA5}">
+                      <a16:colId xmlns:a16="http://schemas.microsoft.com/office/drawing/2014/main" val="3648369864"/>
+                    </a:ext>
+                  </a:extLst>
+                </a:gridCol>
+                <a:gridCol w="686135">
+                  <a:extLst>
+                    <a:ext uri="{9D8B030D-6E8A-4147-A177-3AD203B41FA5}">
+                      <a16:colId xmlns:a16="http://schemas.microsoft.com/office/drawing/2014/main" val="3563934561"/>
+                    </a:ext>
+                  </a:extLst>
+                </a:gridCol>
+                <a:gridCol w="514601">
+                  <a:extLst>
+                    <a:ext uri="{9D8B030D-6E8A-4147-A177-3AD203B41FA5}">
+                      <a16:colId xmlns:a16="http://schemas.microsoft.com/office/drawing/2014/main" val="3121523880"/>
+                    </a:ext>
+                  </a:extLst>
+                </a:gridCol>
+                <a:gridCol w="1055593">
+                  <a:extLst>
+                    <a:ext uri="{9D8B030D-6E8A-4147-A177-3AD203B41FA5}">
+                      <a16:colId xmlns:a16="http://schemas.microsoft.com/office/drawing/2014/main" val="2386648692"/>
+                    </a:ext>
+                  </a:extLst>
+                </a:gridCol>
+              </a:tblGrid>
+              <a:tr h="702064">
+                <a:tc>
+                  <a:txBody>
+                    <a:bodyPr/>
+                    <a:lstStyle/>
+                    <a:p>
+                      <a:pPr algn="ctr" rtl="0" fontAlgn="ctr"/>
+                      <a:r>
+                        <a:rPr lang="en-US" sz="700" b="1">
+                          <a:solidFill>
+                            <a:srgbClr val="E8E8E8"/>
+                          </a:solidFill>
+                          <a:effectLst/>
+                        </a:rPr>
+                        <a:t>Test Case Number</a:t>
+                      </a:r>
+                    </a:p>
+                  </a:txBody>
+                  <a:tcPr marL="15154" marR="15154" marT="0" marB="0" anchor="ctr">
+                    <a:lnL w="19050" cap="flat" cmpd="sng" algn="ctr">
+                      <a:solidFill>
+                        <a:srgbClr val="000000"/>
+                      </a:solidFill>
+                      <a:prstDash val="solid"/>
+                      <a:round/>
+                      <a:headEnd type="none" w="med" len="med"/>
+                      <a:tailEnd type="none" w="med" len="med"/>
+                    </a:lnL>
+                    <a:lnR w="9525" cap="flat" cmpd="sng" algn="ctr">
+                      <a:solidFill>
+                        <a:srgbClr val="CCCCCC"/>
+                      </a:solidFill>
+                      <a:prstDash val="solid"/>
+                      <a:round/>
+                      <a:headEnd type="none" w="med" len="med"/>
+                      <a:tailEnd type="none" w="med" len="med"/>
+                    </a:lnR>
+                    <a:lnT w="19050" cap="flat" cmpd="sng" algn="ctr">
+                      <a:solidFill>
+                        <a:srgbClr val="000000"/>
+                      </a:solidFill>
+                      <a:prstDash val="solid"/>
+                      <a:round/>
+                      <a:headEnd type="none" w="med" len="med"/>
+                      <a:tailEnd type="none" w="med" len="med"/>
+                    </a:lnT>
+                    <a:lnB w="9525" cap="flat" cmpd="sng" algn="ctr">
+                      <a:solidFill>
+                        <a:srgbClr val="CCCCCC"/>
+                      </a:solidFill>
+                      <a:prstDash val="solid"/>
+                      <a:round/>
+                      <a:headEnd type="none" w="med" len="med"/>
+                      <a:tailEnd type="none" w="med" len="med"/>
+                    </a:lnB>
+                    <a:solidFill>
+                      <a:srgbClr val="0070C0"/>
+                    </a:solidFill>
+                  </a:tcPr>
+                </a:tc>
+                <a:tc>
+                  <a:txBody>
+                    <a:bodyPr/>
+                    <a:lstStyle/>
+                    <a:p>
+                      <a:pPr algn="ctr" rtl="0" fontAlgn="ctr"/>
+                      <a:r>
+                        <a:rPr lang="en-US" sz="700" b="1">
+                          <a:solidFill>
+                            <a:srgbClr val="E8E8E8"/>
+                          </a:solidFill>
+                          <a:effectLst/>
+                        </a:rPr>
+                        <a:t>Group of Test Case</a:t>
+                      </a:r>
+                    </a:p>
+                  </a:txBody>
+                  <a:tcPr marL="15154" marR="15154" marT="0" marB="0" anchor="ctr">
+                    <a:lnL w="9525" cap="flat" cmpd="sng" algn="ctr">
+                      <a:solidFill>
+                        <a:srgbClr val="CCCCCC"/>
+                      </a:solidFill>
+                      <a:prstDash val="solid"/>
+                      <a:round/>
+                      <a:headEnd type="none" w="med" len="med"/>
+                      <a:tailEnd type="none" w="med" len="med"/>
+                    </a:lnL>
+                    <a:lnR w="9525" cap="flat" cmpd="sng" algn="ctr">
+                      <a:solidFill>
+                        <a:srgbClr val="CCCCCC"/>
+                      </a:solidFill>
+                      <a:prstDash val="solid"/>
+                      <a:round/>
+                      <a:headEnd type="none" w="med" len="med"/>
+                      <a:tailEnd type="none" w="med" len="med"/>
+                    </a:lnR>
+                    <a:lnT w="19050" cap="flat" cmpd="sng" algn="ctr">
+                      <a:solidFill>
+                        <a:srgbClr val="000000"/>
+                      </a:solidFill>
+                      <a:prstDash val="solid"/>
+                      <a:round/>
+                      <a:headEnd type="none" w="med" len="med"/>
+                      <a:tailEnd type="none" w="med" len="med"/>
+                    </a:lnT>
+                    <a:lnB w="9525" cap="flat" cmpd="sng" algn="ctr">
+                      <a:solidFill>
+                        <a:srgbClr val="CCCCCC"/>
+                      </a:solidFill>
+                      <a:prstDash val="solid"/>
+                      <a:round/>
+                      <a:headEnd type="none" w="med" len="med"/>
+                      <a:tailEnd type="none" w="med" len="med"/>
+                    </a:lnB>
+                    <a:solidFill>
+                      <a:srgbClr val="0070C0"/>
+                    </a:solidFill>
+                  </a:tcPr>
+                </a:tc>
+                <a:tc>
+                  <a:txBody>
+                    <a:bodyPr/>
+                    <a:lstStyle/>
+                    <a:p>
+                      <a:pPr algn="ctr" rtl="0" fontAlgn="ctr"/>
+                      <a:r>
+                        <a:rPr lang="en-US" sz="700" b="1">
+                          <a:solidFill>
+                            <a:srgbClr val="E8E8E8"/>
+                          </a:solidFill>
+                          <a:effectLst/>
+                        </a:rPr>
+                        <a:t>Test Case Name and Description</a:t>
+                      </a:r>
+                    </a:p>
+                  </a:txBody>
+                  <a:tcPr marL="15154" marR="15154" marT="0" marB="0" anchor="ctr">
+                    <a:lnL w="9525" cap="flat" cmpd="sng" algn="ctr">
+                      <a:solidFill>
+                        <a:srgbClr val="CCCCCC"/>
+                      </a:solidFill>
+                      <a:prstDash val="solid"/>
+                      <a:round/>
+                      <a:headEnd type="none" w="med" len="med"/>
+                      <a:tailEnd type="none" w="med" len="med"/>
+                    </a:lnL>
+                    <a:lnR w="9525" cap="flat" cmpd="sng" algn="ctr">
+                      <a:solidFill>
+                        <a:srgbClr val="CCCCCC"/>
+                      </a:solidFill>
+                      <a:prstDash val="solid"/>
+                      <a:round/>
+                      <a:headEnd type="none" w="med" len="med"/>
+                      <a:tailEnd type="none" w="med" len="med"/>
+                    </a:lnR>
+                    <a:lnT w="19050" cap="flat" cmpd="sng" algn="ctr">
+                      <a:solidFill>
+                        <a:srgbClr val="000000"/>
+                      </a:solidFill>
+                      <a:prstDash val="solid"/>
+                      <a:round/>
+                      <a:headEnd type="none" w="med" len="med"/>
+                      <a:tailEnd type="none" w="med" len="med"/>
+                    </a:lnT>
+                    <a:lnB w="9525" cap="flat" cmpd="sng" algn="ctr">
+                      <a:solidFill>
+                        <a:srgbClr val="CCCCCC"/>
+                      </a:solidFill>
+                      <a:prstDash val="solid"/>
+                      <a:round/>
+                      <a:headEnd type="none" w="med" len="med"/>
+                      <a:tailEnd type="none" w="med" len="med"/>
+                    </a:lnB>
+                    <a:solidFill>
+                      <a:srgbClr val="0070C0"/>
+                    </a:solidFill>
+                  </a:tcPr>
+                </a:tc>
+                <a:tc>
+                  <a:txBody>
+                    <a:bodyPr/>
+                    <a:lstStyle/>
+                    <a:p>
+                      <a:pPr algn="ctr" rtl="0" fontAlgn="ctr"/>
+                      <a:r>
+                        <a:rPr lang="en-US" sz="700" b="1">
+                          <a:solidFill>
+                            <a:srgbClr val="E8E8E8"/>
+                          </a:solidFill>
+                          <a:effectLst/>
+                        </a:rPr>
+                        <a:t>Test Result</a:t>
+                      </a:r>
+                    </a:p>
+                  </a:txBody>
+                  <a:tcPr marL="15154" marR="15154" marT="0" marB="0" anchor="ctr">
+                    <a:lnL w="9525" cap="flat" cmpd="sng" algn="ctr">
+                      <a:solidFill>
+                        <a:srgbClr val="CCCCCC"/>
+                      </a:solidFill>
+                      <a:prstDash val="solid"/>
+                      <a:round/>
+                      <a:headEnd type="none" w="med" len="med"/>
+                      <a:tailEnd type="none" w="med" len="med"/>
+                    </a:lnL>
+                    <a:lnR w="9525" cap="flat" cmpd="sng" algn="ctr">
+                      <a:solidFill>
+                        <a:srgbClr val="CCCCCC"/>
+                      </a:solidFill>
+                      <a:prstDash val="solid"/>
+                      <a:round/>
+                      <a:headEnd type="none" w="med" len="med"/>
+                      <a:tailEnd type="none" w="med" len="med"/>
+                    </a:lnR>
+                    <a:lnT w="19050" cap="flat" cmpd="sng" algn="ctr">
+                      <a:solidFill>
+                        <a:srgbClr val="000000"/>
+                      </a:solidFill>
+                      <a:prstDash val="solid"/>
+                      <a:round/>
+                      <a:headEnd type="none" w="med" len="med"/>
+                      <a:tailEnd type="none" w="med" len="med"/>
+                    </a:lnT>
+                    <a:lnB w="9525" cap="flat" cmpd="sng" algn="ctr">
+                      <a:solidFill>
+                        <a:srgbClr val="CCCCCC"/>
+                      </a:solidFill>
+                      <a:prstDash val="solid"/>
+                      <a:round/>
+                      <a:headEnd type="none" w="med" len="med"/>
+                      <a:tailEnd type="none" w="med" len="med"/>
+                    </a:lnB>
+                    <a:solidFill>
+                      <a:srgbClr val="0070C0"/>
+                    </a:solidFill>
+                  </a:tcPr>
+                </a:tc>
+                <a:tc>
+                  <a:txBody>
+                    <a:bodyPr/>
+                    <a:lstStyle/>
+                    <a:p>
+                      <a:pPr algn="ctr" rtl="0" fontAlgn="ctr"/>
+                      <a:r>
+                        <a:rPr lang="en-US" sz="700" b="1">
+                          <a:solidFill>
+                            <a:srgbClr val="E8E8E8"/>
+                          </a:solidFill>
+                          <a:effectLst/>
+                        </a:rPr>
+                        <a:t>Test Date</a:t>
+                      </a:r>
+                    </a:p>
+                  </a:txBody>
+                  <a:tcPr marL="15154" marR="15154" marT="0" marB="0" anchor="ctr">
+                    <a:lnL w="9525" cap="flat" cmpd="sng" algn="ctr">
+                      <a:solidFill>
+                        <a:srgbClr val="CCCCCC"/>
+                      </a:solidFill>
+                      <a:prstDash val="solid"/>
+                      <a:round/>
+                      <a:headEnd type="none" w="med" len="med"/>
+                      <a:tailEnd type="none" w="med" len="med"/>
+                    </a:lnL>
+                    <a:lnR w="9525" cap="flat" cmpd="sng" algn="ctr">
+                      <a:solidFill>
+                        <a:srgbClr val="CCCCCC"/>
+                      </a:solidFill>
+                      <a:prstDash val="solid"/>
+                      <a:round/>
+                      <a:headEnd type="none" w="med" len="med"/>
+                      <a:tailEnd type="none" w="med" len="med"/>
+                    </a:lnR>
+                    <a:lnT w="19050" cap="flat" cmpd="sng" algn="ctr">
+                      <a:solidFill>
+                        <a:srgbClr val="000000"/>
+                      </a:solidFill>
+                      <a:prstDash val="solid"/>
+                      <a:round/>
+                      <a:headEnd type="none" w="med" len="med"/>
+                      <a:tailEnd type="none" w="med" len="med"/>
+                    </a:lnT>
+                    <a:lnB w="9525" cap="flat" cmpd="sng" algn="ctr">
+                      <a:solidFill>
+                        <a:srgbClr val="CCCCCC"/>
+                      </a:solidFill>
+                      <a:prstDash val="solid"/>
+                      <a:round/>
+                      <a:headEnd type="none" w="med" len="med"/>
+                      <a:tailEnd type="none" w="med" len="med"/>
+                    </a:lnB>
+                    <a:solidFill>
+                      <a:srgbClr val="0070C0"/>
+                    </a:solidFill>
+                  </a:tcPr>
+                </a:tc>
+                <a:tc>
+                  <a:txBody>
+                    <a:bodyPr/>
+                    <a:lstStyle/>
+                    <a:p>
+                      <a:pPr algn="ctr" rtl="0" fontAlgn="ctr"/>
+                      <a:r>
+                        <a:rPr lang="en-US" sz="700" b="1">
+                          <a:solidFill>
+                            <a:srgbClr val="E8E8E8"/>
+                          </a:solidFill>
+                          <a:effectLst/>
+                        </a:rPr>
+                        <a:t>PIC</a:t>
+                      </a:r>
+                    </a:p>
+                  </a:txBody>
+                  <a:tcPr marL="15154" marR="15154" marT="0" marB="0" anchor="ctr">
+                    <a:lnL w="9525" cap="flat" cmpd="sng" algn="ctr">
+                      <a:solidFill>
+                        <a:srgbClr val="CCCCCC"/>
+                      </a:solidFill>
+                      <a:prstDash val="solid"/>
+                      <a:round/>
+                      <a:headEnd type="none" w="med" len="med"/>
+                      <a:tailEnd type="none" w="med" len="med"/>
+                    </a:lnL>
+                    <a:lnR w="9525" cap="flat" cmpd="sng" algn="ctr">
+                      <a:solidFill>
+                        <a:srgbClr val="CCCCCC"/>
+                      </a:solidFill>
+                      <a:prstDash val="solid"/>
+                      <a:round/>
+                      <a:headEnd type="none" w="med" len="med"/>
+                      <a:tailEnd type="none" w="med" len="med"/>
+                    </a:lnR>
+                    <a:lnT w="19050" cap="flat" cmpd="sng" algn="ctr">
+                      <a:solidFill>
+                        <a:srgbClr val="000000"/>
+                      </a:solidFill>
+                      <a:prstDash val="solid"/>
+                      <a:round/>
+                      <a:headEnd type="none" w="med" len="med"/>
+                      <a:tailEnd type="none" w="med" len="med"/>
+                    </a:lnT>
+                    <a:lnB w="9525" cap="flat" cmpd="sng" algn="ctr">
+                      <a:solidFill>
+                        <a:srgbClr val="CCCCCC"/>
+                      </a:solidFill>
+                      <a:prstDash val="solid"/>
+                      <a:round/>
+                      <a:headEnd type="none" w="med" len="med"/>
+                      <a:tailEnd type="none" w="med" len="med"/>
+                    </a:lnB>
+                    <a:solidFill>
+                      <a:srgbClr val="0070C0"/>
+                    </a:solidFill>
+                  </a:tcPr>
+                </a:tc>
+                <a:tc>
+                  <a:txBody>
+                    <a:bodyPr/>
+                    <a:lstStyle/>
+                    <a:p>
+                      <a:pPr algn="ctr" rtl="0" fontAlgn="ctr"/>
+                      <a:r>
+                        <a:rPr lang="en-US" sz="700" b="1">
+                          <a:solidFill>
+                            <a:srgbClr val="E8E8E8"/>
+                          </a:solidFill>
+                          <a:effectLst/>
+                        </a:rPr>
+                        <a:t>Remark</a:t>
+                      </a:r>
+                    </a:p>
+                  </a:txBody>
+                  <a:tcPr marL="15154" marR="15154" marT="0" marB="0" anchor="ctr">
+                    <a:lnL w="9525" cap="flat" cmpd="sng" algn="ctr">
+                      <a:solidFill>
+                        <a:srgbClr val="CCCCCC"/>
+                      </a:solidFill>
+                      <a:prstDash val="solid"/>
+                      <a:round/>
+                      <a:headEnd type="none" w="med" len="med"/>
+                      <a:tailEnd type="none" w="med" len="med"/>
+                    </a:lnL>
+                    <a:lnR w="19050" cap="flat" cmpd="sng" algn="ctr">
+                      <a:solidFill>
+                        <a:srgbClr val="000000"/>
+                      </a:solidFill>
+                      <a:prstDash val="solid"/>
+                      <a:round/>
+                      <a:headEnd type="none" w="med" len="med"/>
+                      <a:tailEnd type="none" w="med" len="med"/>
+                    </a:lnR>
+                    <a:lnT w="19050" cap="flat" cmpd="sng" algn="ctr">
+                      <a:solidFill>
+                        <a:srgbClr val="000000"/>
+                      </a:solidFill>
+                      <a:prstDash val="solid"/>
+                      <a:round/>
+                      <a:headEnd type="none" w="med" len="med"/>
+                      <a:tailEnd type="none" w="med" len="med"/>
+                    </a:lnT>
+                    <a:lnB w="9525" cap="flat" cmpd="sng" algn="ctr">
+                      <a:solidFill>
+                        <a:srgbClr val="CCCCCC"/>
+                      </a:solidFill>
+                      <a:prstDash val="solid"/>
+                      <a:round/>
+                      <a:headEnd type="none" w="med" len="med"/>
+                      <a:tailEnd type="none" w="med" len="med"/>
+                    </a:lnB>
+                    <a:solidFill>
+                      <a:srgbClr val="0070C0"/>
+                    </a:solidFill>
+                  </a:tcPr>
+                </a:tc>
+                <a:extLst>
+                  <a:ext uri="{0D108BD9-81ED-4DB2-BD59-A6C34878D82A}">
+                    <a16:rowId xmlns:a16="http://schemas.microsoft.com/office/drawing/2014/main" val="1747053958"/>
+                  </a:ext>
+                </a:extLst>
+              </a:tr>
+              <a:tr h="468042">
+                <a:tc>
+                  <a:txBody>
+                    <a:bodyPr/>
+                    <a:lstStyle/>
+                    <a:p>
+                      <a:pPr algn="ctr" rtl="0" fontAlgn="ctr"/>
+                      <a:r>
+                        <a:rPr lang="en-US" sz="1000" dirty="0">
+                          <a:effectLst/>
+                        </a:rPr>
+                        <a:t>TC-01</a:t>
+                      </a:r>
+                    </a:p>
+                  </a:txBody>
+                  <a:tcPr marL="15154" marR="15154" marT="0" marB="0" anchor="ctr">
+                    <a:lnL w="19050" cap="flat" cmpd="sng" algn="ctr">
+                      <a:solidFill>
+                        <a:srgbClr val="000000"/>
+                      </a:solidFill>
+                      <a:prstDash val="solid"/>
+                      <a:round/>
+                      <a:headEnd type="none" w="med" len="med"/>
+                      <a:tailEnd type="none" w="med" len="med"/>
+                    </a:lnL>
+                    <a:lnR w="9525" cap="flat" cmpd="sng" algn="ctr">
+                      <a:solidFill>
+                        <a:srgbClr val="CCCCCC"/>
+                      </a:solidFill>
+                      <a:prstDash val="solid"/>
+                      <a:round/>
+                      <a:headEnd type="none" w="med" len="med"/>
+                      <a:tailEnd type="none" w="med" len="med"/>
+                    </a:lnR>
+                    <a:lnT w="9525" cap="flat" cmpd="sng" algn="ctr">
+                      <a:solidFill>
+                        <a:srgbClr val="CCCCCC"/>
+                      </a:solidFill>
+                      <a:prstDash val="solid"/>
+                      <a:round/>
+                      <a:headEnd type="none" w="med" len="med"/>
+                      <a:tailEnd type="none" w="med" len="med"/>
+                    </a:lnT>
+                    <a:lnB w="9525" cap="flat" cmpd="sng" algn="ctr">
+                      <a:solidFill>
+                        <a:srgbClr val="CCCCCC"/>
+                      </a:solidFill>
+                      <a:prstDash val="solid"/>
+                      <a:round/>
+                      <a:headEnd type="none" w="med" len="med"/>
+                      <a:tailEnd type="none" w="med" len="med"/>
+                    </a:lnB>
+                    <a:noFill/>
+                  </a:tcPr>
+                </a:tc>
+                <a:tc>
+                  <a:txBody>
+                    <a:bodyPr/>
+                    <a:lstStyle/>
+                    <a:p>
+                      <a:pPr rtl="0" fontAlgn="ctr"/>
+                      <a:r>
+                        <a:rPr lang="en-US" sz="1000" dirty="0">
+                          <a:effectLst/>
+                        </a:rPr>
+                        <a:t>Short data (10 bytes) with compression</a:t>
+                      </a:r>
+                    </a:p>
+                  </a:txBody>
+                  <a:tcPr marL="15154" marR="15154" marT="0" marB="0" anchor="ctr">
+                    <a:lnL w="9525" cap="flat" cmpd="sng" algn="ctr">
+                      <a:solidFill>
+                        <a:srgbClr val="CCCCCC"/>
+                      </a:solidFill>
+                      <a:prstDash val="solid"/>
+                      <a:round/>
+                      <a:headEnd type="none" w="med" len="med"/>
+                      <a:tailEnd type="none" w="med" len="med"/>
+                    </a:lnL>
+                    <a:lnR w="9525" cap="flat" cmpd="sng" algn="ctr">
+                      <a:solidFill>
+                        <a:srgbClr val="CCCCCC"/>
+                      </a:solidFill>
+                      <a:prstDash val="solid"/>
+                      <a:round/>
+                      <a:headEnd type="none" w="med" len="med"/>
+                      <a:tailEnd type="none" w="med" len="med"/>
+                    </a:lnR>
+                    <a:lnT w="9525" cap="flat" cmpd="sng" algn="ctr">
+                      <a:solidFill>
+                        <a:srgbClr val="CCCCCC"/>
+                      </a:solidFill>
+                      <a:prstDash val="solid"/>
+                      <a:round/>
+                      <a:headEnd type="none" w="med" len="med"/>
+                      <a:tailEnd type="none" w="med" len="med"/>
+                    </a:lnT>
+                    <a:lnB w="9525" cap="flat" cmpd="sng" algn="ctr">
+                      <a:solidFill>
+                        <a:srgbClr val="CCCCCC"/>
+                      </a:solidFill>
+                      <a:prstDash val="solid"/>
+                      <a:round/>
+                      <a:headEnd type="none" w="med" len="med"/>
+                      <a:tailEnd type="none" w="med" len="med"/>
+                    </a:lnB>
+                    <a:noFill/>
+                  </a:tcPr>
+                </a:tc>
+                <a:tc>
+                  <a:txBody>
+                    <a:bodyPr/>
+                    <a:lstStyle/>
+                    <a:p>
+                      <a:pPr rtl="0" fontAlgn="ctr"/>
+                      <a:r>
+                        <a:rPr lang="en-US" sz="1000" dirty="0">
+                          <a:effectLst/>
+                        </a:rPr>
+                        <a:t>Simulate short array incudes same data</a:t>
+                      </a:r>
+                    </a:p>
+                  </a:txBody>
+                  <a:tcPr marL="15154" marR="15154" marT="0" marB="0" anchor="ctr">
+                    <a:lnL w="9525" cap="flat" cmpd="sng" algn="ctr">
+                      <a:solidFill>
+                        <a:srgbClr val="CCCCCC"/>
+                      </a:solidFill>
+                      <a:prstDash val="solid"/>
+                      <a:round/>
+                      <a:headEnd type="none" w="med" len="med"/>
+                      <a:tailEnd type="none" w="med" len="med"/>
+                    </a:lnL>
+                    <a:lnR w="9525" cap="flat" cmpd="sng" algn="ctr">
+                      <a:solidFill>
+                        <a:srgbClr val="CCCCCC"/>
+                      </a:solidFill>
+                      <a:prstDash val="solid"/>
+                      <a:round/>
+                      <a:headEnd type="none" w="med" len="med"/>
+                      <a:tailEnd type="none" w="med" len="med"/>
+                    </a:lnR>
+                    <a:lnT w="9525" cap="flat" cmpd="sng" algn="ctr">
+                      <a:solidFill>
+                        <a:srgbClr val="CCCCCC"/>
+                      </a:solidFill>
+                      <a:prstDash val="solid"/>
+                      <a:round/>
+                      <a:headEnd type="none" w="med" len="med"/>
+                      <a:tailEnd type="none" w="med" len="med"/>
+                    </a:lnT>
+                    <a:lnB w="9525" cap="flat" cmpd="sng" algn="ctr">
+                      <a:solidFill>
+                        <a:srgbClr val="CCCCCC"/>
+                      </a:solidFill>
+                      <a:prstDash val="solid"/>
+                      <a:round/>
+                      <a:headEnd type="none" w="med" len="med"/>
+                      <a:tailEnd type="none" w="med" len="med"/>
+                    </a:lnB>
+                    <a:noFill/>
+                  </a:tcPr>
+                </a:tc>
+                <a:tc>
+                  <a:txBody>
+                    <a:bodyPr/>
+                    <a:lstStyle/>
+                    <a:p>
+                      <a:pPr algn="ctr" rtl="0" fontAlgn="ctr"/>
+                      <a:r>
+                        <a:rPr lang="en-US" sz="1000" dirty="0">
+                          <a:solidFill>
+                            <a:srgbClr val="006100"/>
+                          </a:solidFill>
+                          <a:effectLst/>
+                        </a:rPr>
+                        <a:t> OK</a:t>
+                      </a:r>
+                    </a:p>
+                  </a:txBody>
+                  <a:tcPr marL="15154" marR="15154" marT="0" marB="0" anchor="ctr">
+                    <a:lnL w="9525" cap="flat" cmpd="sng" algn="ctr">
+                      <a:solidFill>
+                        <a:srgbClr val="CCCCCC"/>
+                      </a:solidFill>
+                      <a:prstDash val="solid"/>
+                      <a:round/>
+                      <a:headEnd type="none" w="med" len="med"/>
+                      <a:tailEnd type="none" w="med" len="med"/>
+                    </a:lnL>
+                    <a:lnR w="9525" cap="flat" cmpd="sng" algn="ctr">
+                      <a:solidFill>
+                        <a:srgbClr val="CCCCCC"/>
+                      </a:solidFill>
+                      <a:prstDash val="solid"/>
+                      <a:round/>
+                      <a:headEnd type="none" w="med" len="med"/>
+                      <a:tailEnd type="none" w="med" len="med"/>
+                    </a:lnR>
+                    <a:lnT w="9525" cap="flat" cmpd="sng" algn="ctr">
+                      <a:solidFill>
+                        <a:srgbClr val="CCCCCC"/>
+                      </a:solidFill>
+                      <a:prstDash val="solid"/>
+                      <a:round/>
+                      <a:headEnd type="none" w="med" len="med"/>
+                      <a:tailEnd type="none" w="med" len="med"/>
+                    </a:lnT>
+                    <a:lnB w="9525" cap="flat" cmpd="sng" algn="ctr">
+                      <a:solidFill>
+                        <a:srgbClr val="CCCCCC"/>
+                      </a:solidFill>
+                      <a:prstDash val="solid"/>
+                      <a:round/>
+                      <a:headEnd type="none" w="med" len="med"/>
+                      <a:tailEnd type="none" w="med" len="med"/>
+                    </a:lnB>
+                    <a:solidFill>
+                      <a:srgbClr val="C6EFCE"/>
+                    </a:solidFill>
+                  </a:tcPr>
+                </a:tc>
+                <a:tc>
+                  <a:txBody>
+                    <a:bodyPr/>
+                    <a:lstStyle/>
+                    <a:p>
+                      <a:pPr algn="ctr" rtl="0" fontAlgn="ctr"/>
+                      <a:r>
+                        <a:rPr lang="en-US" sz="1000" b="0" dirty="0">
+                          <a:effectLst/>
+                          <a:latin typeface="Arial" panose="020B0604020202020204" pitchFamily="34" charset="0"/>
+                        </a:rPr>
+                        <a:t>17/11/2025</a:t>
+                      </a:r>
+                    </a:p>
+                  </a:txBody>
+                  <a:tcPr marL="15154" marR="15154" marT="0" marB="0" anchor="ctr">
+                    <a:lnL w="9525" cap="flat" cmpd="sng" algn="ctr">
+                      <a:solidFill>
+                        <a:srgbClr val="CCCCCC"/>
+                      </a:solidFill>
+                      <a:prstDash val="solid"/>
+                      <a:round/>
+                      <a:headEnd type="none" w="med" len="med"/>
+                      <a:tailEnd type="none" w="med" len="med"/>
+                    </a:lnL>
+                    <a:lnR w="9525" cap="flat" cmpd="sng" algn="ctr">
+                      <a:solidFill>
+                        <a:srgbClr val="CCCCCC"/>
+                      </a:solidFill>
+                      <a:prstDash val="solid"/>
+                      <a:round/>
+                      <a:headEnd type="none" w="med" len="med"/>
+                      <a:tailEnd type="none" w="med" len="med"/>
+                    </a:lnR>
+                    <a:lnT w="9525" cap="flat" cmpd="sng" algn="ctr">
+                      <a:solidFill>
+                        <a:srgbClr val="CCCCCC"/>
+                      </a:solidFill>
+                      <a:prstDash val="solid"/>
+                      <a:round/>
+                      <a:headEnd type="none" w="med" len="med"/>
+                      <a:tailEnd type="none" w="med" len="med"/>
+                    </a:lnT>
+                    <a:lnB w="9525" cap="flat" cmpd="sng" algn="ctr">
+                      <a:solidFill>
+                        <a:srgbClr val="CCCCCC"/>
+                      </a:solidFill>
+                      <a:prstDash val="solid"/>
+                      <a:round/>
+                      <a:headEnd type="none" w="med" len="med"/>
+                      <a:tailEnd type="none" w="med" len="med"/>
+                    </a:lnB>
+                    <a:noFill/>
+                  </a:tcPr>
+                </a:tc>
+                <a:tc>
+                  <a:txBody>
+                    <a:bodyPr/>
+                    <a:lstStyle/>
+                    <a:p>
+                      <a:pPr algn="ctr" rtl="0" fontAlgn="ctr"/>
+                      <a:r>
+                        <a:rPr lang="en-US" sz="1000">
+                          <a:effectLst/>
+                        </a:rPr>
+                        <a:t>Thomas</a:t>
+                      </a:r>
+                    </a:p>
+                  </a:txBody>
+                  <a:tcPr marL="15154" marR="15154" marT="0" marB="0" anchor="ctr">
+                    <a:lnL w="9525" cap="flat" cmpd="sng" algn="ctr">
+                      <a:solidFill>
+                        <a:srgbClr val="CCCCCC"/>
+                      </a:solidFill>
+                      <a:prstDash val="solid"/>
+                      <a:round/>
+                      <a:headEnd type="none" w="med" len="med"/>
+                      <a:tailEnd type="none" w="med" len="med"/>
+                    </a:lnL>
+                    <a:lnR w="9525" cap="flat" cmpd="sng" algn="ctr">
+                      <a:solidFill>
+                        <a:srgbClr val="CCCCCC"/>
+                      </a:solidFill>
+                      <a:prstDash val="solid"/>
+                      <a:round/>
+                      <a:headEnd type="none" w="med" len="med"/>
+                      <a:tailEnd type="none" w="med" len="med"/>
+                    </a:lnR>
+                    <a:lnT w="9525" cap="flat" cmpd="sng" algn="ctr">
+                      <a:solidFill>
+                        <a:srgbClr val="CCCCCC"/>
+                      </a:solidFill>
+                      <a:prstDash val="solid"/>
+                      <a:round/>
+                      <a:headEnd type="none" w="med" len="med"/>
+                      <a:tailEnd type="none" w="med" len="med"/>
+                    </a:lnT>
+                    <a:lnB w="9525" cap="flat" cmpd="sng" algn="ctr">
+                      <a:solidFill>
+                        <a:srgbClr val="CCCCCC"/>
+                      </a:solidFill>
+                      <a:prstDash val="solid"/>
+                      <a:round/>
+                      <a:headEnd type="none" w="med" len="med"/>
+                      <a:tailEnd type="none" w="med" len="med"/>
+                    </a:lnB>
+                    <a:noFill/>
+                  </a:tcPr>
+                </a:tc>
+                <a:tc>
+                  <a:txBody>
+                    <a:bodyPr/>
+                    <a:lstStyle/>
+                    <a:p>
+                      <a:pPr rtl="0" fontAlgn="ctr"/>
+                      <a:endParaRPr lang="en-US" sz="1000">
+                        <a:effectLst/>
+                      </a:endParaRPr>
+                    </a:p>
+                  </a:txBody>
+                  <a:tcPr marL="15154" marR="15154" marT="0" marB="0" anchor="ctr">
+                    <a:lnL w="9525" cap="flat" cmpd="sng" algn="ctr">
+                      <a:solidFill>
+                        <a:srgbClr val="CCCCCC"/>
+                      </a:solidFill>
+                      <a:prstDash val="solid"/>
+                      <a:round/>
+                      <a:headEnd type="none" w="med" len="med"/>
+                      <a:tailEnd type="none" w="med" len="med"/>
+                    </a:lnL>
+                    <a:lnR w="19050" cap="flat" cmpd="sng" algn="ctr">
+                      <a:solidFill>
+                        <a:srgbClr val="000000"/>
+                      </a:solidFill>
+                      <a:prstDash val="solid"/>
+                      <a:round/>
+                      <a:headEnd type="none" w="med" len="med"/>
+                      <a:tailEnd type="none" w="med" len="med"/>
+                    </a:lnR>
+                    <a:lnT w="9525" cap="flat" cmpd="sng" algn="ctr">
+                      <a:solidFill>
+                        <a:srgbClr val="CCCCCC"/>
+                      </a:solidFill>
+                      <a:prstDash val="solid"/>
+                      <a:round/>
+                      <a:headEnd type="none" w="med" len="med"/>
+                      <a:tailEnd type="none" w="med" len="med"/>
+                    </a:lnT>
+                    <a:lnB w="9525" cap="flat" cmpd="sng" algn="ctr">
+                      <a:solidFill>
+                        <a:srgbClr val="CCCCCC"/>
+                      </a:solidFill>
+                      <a:prstDash val="solid"/>
+                      <a:round/>
+                      <a:headEnd type="none" w="med" len="med"/>
+                      <a:tailEnd type="none" w="med" len="med"/>
+                    </a:lnB>
+                    <a:noFill/>
+                  </a:tcPr>
+                </a:tc>
+                <a:extLst>
+                  <a:ext uri="{0D108BD9-81ED-4DB2-BD59-A6C34878D82A}">
+                    <a16:rowId xmlns:a16="http://schemas.microsoft.com/office/drawing/2014/main" val="1253663486"/>
+                  </a:ext>
+                </a:extLst>
+              </a:tr>
+              <a:tr h="702064">
+                <a:tc>
+                  <a:txBody>
+                    <a:bodyPr/>
+                    <a:lstStyle/>
+                    <a:p>
+                      <a:pPr algn="ctr" rtl="0" fontAlgn="ctr"/>
+                      <a:r>
+                        <a:rPr lang="en-US" sz="1000">
+                          <a:effectLst/>
+                        </a:rPr>
+                        <a:t>TC-02</a:t>
+                      </a:r>
+                    </a:p>
+                  </a:txBody>
+                  <a:tcPr marL="15154" marR="15154" marT="0" marB="0" anchor="ctr">
+                    <a:lnL w="19050" cap="flat" cmpd="sng" algn="ctr">
+                      <a:solidFill>
+                        <a:srgbClr val="000000"/>
+                      </a:solidFill>
+                      <a:prstDash val="solid"/>
+                      <a:round/>
+                      <a:headEnd type="none" w="med" len="med"/>
+                      <a:tailEnd type="none" w="med" len="med"/>
+                    </a:lnL>
+                    <a:lnR w="9525" cap="flat" cmpd="sng" algn="ctr">
+                      <a:solidFill>
+                        <a:srgbClr val="CCCCCC"/>
+                      </a:solidFill>
+                      <a:prstDash val="solid"/>
+                      <a:round/>
+                      <a:headEnd type="none" w="med" len="med"/>
+                      <a:tailEnd type="none" w="med" len="med"/>
+                    </a:lnR>
+                    <a:lnT w="9525" cap="flat" cmpd="sng" algn="ctr">
+                      <a:solidFill>
+                        <a:srgbClr val="CCCCCC"/>
+                      </a:solidFill>
+                      <a:prstDash val="solid"/>
+                      <a:round/>
+                      <a:headEnd type="none" w="med" len="med"/>
+                      <a:tailEnd type="none" w="med" len="med"/>
+                    </a:lnT>
+                    <a:lnB w="9525" cap="flat" cmpd="sng" algn="ctr">
+                      <a:solidFill>
+                        <a:srgbClr val="CCCCCC"/>
+                      </a:solidFill>
+                      <a:prstDash val="solid"/>
+                      <a:round/>
+                      <a:headEnd type="none" w="med" len="med"/>
+                      <a:tailEnd type="none" w="med" len="med"/>
+                    </a:lnB>
+                    <a:noFill/>
+                  </a:tcPr>
+                </a:tc>
+                <a:tc>
+                  <a:txBody>
+                    <a:bodyPr/>
+                    <a:lstStyle/>
+                    <a:p>
+                      <a:pPr rtl="0" fontAlgn="ctr"/>
+                      <a:r>
+                        <a:rPr lang="en-US" sz="1000" dirty="0" err="1">
+                          <a:effectLst/>
+                        </a:rPr>
+                        <a:t>Larg</a:t>
+                      </a:r>
+                      <a:r>
+                        <a:rPr lang="en-US" sz="1000" dirty="0">
+                          <a:effectLst/>
+                        </a:rPr>
+                        <a:t> array, large same bytes</a:t>
+                      </a:r>
+                    </a:p>
+                  </a:txBody>
+                  <a:tcPr marL="15154" marR="15154" marT="0" marB="0" anchor="ctr">
+                    <a:lnL w="9525" cap="flat" cmpd="sng" algn="ctr">
+                      <a:solidFill>
+                        <a:srgbClr val="CCCCCC"/>
+                      </a:solidFill>
+                      <a:prstDash val="solid"/>
+                      <a:round/>
+                      <a:headEnd type="none" w="med" len="med"/>
+                      <a:tailEnd type="none" w="med" len="med"/>
+                    </a:lnL>
+                    <a:lnR w="9525" cap="flat" cmpd="sng" algn="ctr">
+                      <a:solidFill>
+                        <a:srgbClr val="CCCCCC"/>
+                      </a:solidFill>
+                      <a:prstDash val="solid"/>
+                      <a:round/>
+                      <a:headEnd type="none" w="med" len="med"/>
+                      <a:tailEnd type="none" w="med" len="med"/>
+                    </a:lnR>
+                    <a:lnT w="9525" cap="flat" cmpd="sng" algn="ctr">
+                      <a:solidFill>
+                        <a:srgbClr val="CCCCCC"/>
+                      </a:solidFill>
+                      <a:prstDash val="solid"/>
+                      <a:round/>
+                      <a:headEnd type="none" w="med" len="med"/>
+                      <a:tailEnd type="none" w="med" len="med"/>
+                    </a:lnT>
+                    <a:lnB w="9525" cap="flat" cmpd="sng" algn="ctr">
+                      <a:solidFill>
+                        <a:srgbClr val="CCCCCC"/>
+                      </a:solidFill>
+                      <a:prstDash val="solid"/>
+                      <a:round/>
+                      <a:headEnd type="none" w="med" len="med"/>
+                      <a:tailEnd type="none" w="med" len="med"/>
+                    </a:lnB>
+                    <a:noFill/>
+                  </a:tcPr>
+                </a:tc>
+                <a:tc>
+                  <a:txBody>
+                    <a:bodyPr/>
+                    <a:lstStyle/>
+                    <a:p>
+                      <a:pPr rtl="0" fontAlgn="ctr"/>
+                      <a:r>
+                        <a:rPr lang="en-US" sz="1000" dirty="0">
+                          <a:effectLst/>
+                        </a:rPr>
+                        <a:t>Long data (2000 bytes) with 130 consecutive bytes and 10 consecutive bytes</a:t>
+                      </a:r>
+                    </a:p>
+                  </a:txBody>
+                  <a:tcPr marL="15154" marR="15154" marT="0" marB="0" anchor="ctr">
+                    <a:lnL w="9525" cap="flat" cmpd="sng" algn="ctr">
+                      <a:solidFill>
+                        <a:srgbClr val="CCCCCC"/>
+                      </a:solidFill>
+                      <a:prstDash val="solid"/>
+                      <a:round/>
+                      <a:headEnd type="none" w="med" len="med"/>
+                      <a:tailEnd type="none" w="med" len="med"/>
+                    </a:lnL>
+                    <a:lnR w="9525" cap="flat" cmpd="sng" algn="ctr">
+                      <a:solidFill>
+                        <a:srgbClr val="CCCCCC"/>
+                      </a:solidFill>
+                      <a:prstDash val="solid"/>
+                      <a:round/>
+                      <a:headEnd type="none" w="med" len="med"/>
+                      <a:tailEnd type="none" w="med" len="med"/>
+                    </a:lnR>
+                    <a:lnT w="9525" cap="flat" cmpd="sng" algn="ctr">
+                      <a:solidFill>
+                        <a:srgbClr val="CCCCCC"/>
+                      </a:solidFill>
+                      <a:prstDash val="solid"/>
+                      <a:round/>
+                      <a:headEnd type="none" w="med" len="med"/>
+                      <a:tailEnd type="none" w="med" len="med"/>
+                    </a:lnT>
+                    <a:lnB w="9525" cap="flat" cmpd="sng" algn="ctr">
+                      <a:solidFill>
+                        <a:srgbClr val="CCCCCC"/>
+                      </a:solidFill>
+                      <a:prstDash val="solid"/>
+                      <a:round/>
+                      <a:headEnd type="none" w="med" len="med"/>
+                      <a:tailEnd type="none" w="med" len="med"/>
+                    </a:lnB>
+                    <a:noFill/>
+                  </a:tcPr>
+                </a:tc>
+                <a:tc>
+                  <a:txBody>
+                    <a:bodyPr/>
+                    <a:lstStyle/>
+                    <a:p>
+                      <a:pPr algn="ctr" rtl="0" fontAlgn="ctr"/>
+                      <a:r>
+                        <a:rPr lang="en-US" sz="1000">
+                          <a:solidFill>
+                            <a:srgbClr val="006100"/>
+                          </a:solidFill>
+                          <a:effectLst/>
+                        </a:rPr>
+                        <a:t>OK</a:t>
+                      </a:r>
+                    </a:p>
+                  </a:txBody>
+                  <a:tcPr marL="15154" marR="15154" marT="0" marB="0" anchor="ctr">
+                    <a:lnL w="9525" cap="flat" cmpd="sng" algn="ctr">
+                      <a:solidFill>
+                        <a:srgbClr val="CCCCCC"/>
+                      </a:solidFill>
+                      <a:prstDash val="solid"/>
+                      <a:round/>
+                      <a:headEnd type="none" w="med" len="med"/>
+                      <a:tailEnd type="none" w="med" len="med"/>
+                    </a:lnL>
+                    <a:lnR w="9525" cap="flat" cmpd="sng" algn="ctr">
+                      <a:solidFill>
+                        <a:srgbClr val="CCCCCC"/>
+                      </a:solidFill>
+                      <a:prstDash val="solid"/>
+                      <a:round/>
+                      <a:headEnd type="none" w="med" len="med"/>
+                      <a:tailEnd type="none" w="med" len="med"/>
+                    </a:lnR>
+                    <a:lnT w="9525" cap="flat" cmpd="sng" algn="ctr">
+                      <a:solidFill>
+                        <a:srgbClr val="CCCCCC"/>
+                      </a:solidFill>
+                      <a:prstDash val="solid"/>
+                      <a:round/>
+                      <a:headEnd type="none" w="med" len="med"/>
+                      <a:tailEnd type="none" w="med" len="med"/>
+                    </a:lnT>
+                    <a:lnB w="9525" cap="flat" cmpd="sng" algn="ctr">
+                      <a:solidFill>
+                        <a:srgbClr val="CCCCCC"/>
+                      </a:solidFill>
+                      <a:prstDash val="solid"/>
+                      <a:round/>
+                      <a:headEnd type="none" w="med" len="med"/>
+                      <a:tailEnd type="none" w="med" len="med"/>
+                    </a:lnB>
+                    <a:solidFill>
+                      <a:srgbClr val="C6EFCE"/>
+                    </a:solidFill>
+                  </a:tcPr>
+                </a:tc>
+                <a:tc>
+                  <a:txBody>
+                    <a:bodyPr/>
+                    <a:lstStyle/>
+                    <a:p>
+                      <a:pPr algn="ctr" rtl="0" fontAlgn="ctr"/>
+                      <a:r>
+                        <a:rPr lang="en-US" sz="1000" b="0">
+                          <a:effectLst/>
+                          <a:latin typeface="Arial" panose="020B0604020202020204" pitchFamily="34" charset="0"/>
+                        </a:rPr>
+                        <a:t>17/11/2025</a:t>
+                      </a:r>
+                    </a:p>
+                  </a:txBody>
+                  <a:tcPr marL="15154" marR="15154" marT="0" marB="0" anchor="ctr">
+                    <a:lnL w="9525" cap="flat" cmpd="sng" algn="ctr">
+                      <a:solidFill>
+                        <a:srgbClr val="CCCCCC"/>
+                      </a:solidFill>
+                      <a:prstDash val="solid"/>
+                      <a:round/>
+                      <a:headEnd type="none" w="med" len="med"/>
+                      <a:tailEnd type="none" w="med" len="med"/>
+                    </a:lnL>
+                    <a:lnR w="9525" cap="flat" cmpd="sng" algn="ctr">
+                      <a:solidFill>
+                        <a:srgbClr val="CCCCCC"/>
+                      </a:solidFill>
+                      <a:prstDash val="solid"/>
+                      <a:round/>
+                      <a:headEnd type="none" w="med" len="med"/>
+                      <a:tailEnd type="none" w="med" len="med"/>
+                    </a:lnR>
+                    <a:lnT w="9525" cap="flat" cmpd="sng" algn="ctr">
+                      <a:solidFill>
+                        <a:srgbClr val="CCCCCC"/>
+                      </a:solidFill>
+                      <a:prstDash val="solid"/>
+                      <a:round/>
+                      <a:headEnd type="none" w="med" len="med"/>
+                      <a:tailEnd type="none" w="med" len="med"/>
+                    </a:lnT>
+                    <a:lnB w="9525" cap="flat" cmpd="sng" algn="ctr">
+                      <a:solidFill>
+                        <a:srgbClr val="CCCCCC"/>
+                      </a:solidFill>
+                      <a:prstDash val="solid"/>
+                      <a:round/>
+                      <a:headEnd type="none" w="med" len="med"/>
+                      <a:tailEnd type="none" w="med" len="med"/>
+                    </a:lnB>
+                    <a:noFill/>
+                  </a:tcPr>
+                </a:tc>
+                <a:tc>
+                  <a:txBody>
+                    <a:bodyPr/>
+                    <a:lstStyle/>
+                    <a:p>
+                      <a:pPr algn="ctr" rtl="0" fontAlgn="ctr"/>
+                      <a:r>
+                        <a:rPr lang="en-US" sz="1000">
+                          <a:effectLst/>
+                        </a:rPr>
+                        <a:t>Thomas</a:t>
+                      </a:r>
+                    </a:p>
+                  </a:txBody>
+                  <a:tcPr marL="15154" marR="15154" marT="0" marB="0" anchor="ctr">
+                    <a:lnL w="9525" cap="flat" cmpd="sng" algn="ctr">
+                      <a:solidFill>
+                        <a:srgbClr val="CCCCCC"/>
+                      </a:solidFill>
+                      <a:prstDash val="solid"/>
+                      <a:round/>
+                      <a:headEnd type="none" w="med" len="med"/>
+                      <a:tailEnd type="none" w="med" len="med"/>
+                    </a:lnL>
+                    <a:lnR w="9525" cap="flat" cmpd="sng" algn="ctr">
+                      <a:solidFill>
+                        <a:srgbClr val="CCCCCC"/>
+                      </a:solidFill>
+                      <a:prstDash val="solid"/>
+                      <a:round/>
+                      <a:headEnd type="none" w="med" len="med"/>
+                      <a:tailEnd type="none" w="med" len="med"/>
+                    </a:lnR>
+                    <a:lnT w="9525" cap="flat" cmpd="sng" algn="ctr">
+                      <a:solidFill>
+                        <a:srgbClr val="CCCCCC"/>
+                      </a:solidFill>
+                      <a:prstDash val="solid"/>
+                      <a:round/>
+                      <a:headEnd type="none" w="med" len="med"/>
+                      <a:tailEnd type="none" w="med" len="med"/>
+                    </a:lnT>
+                    <a:lnB w="9525" cap="flat" cmpd="sng" algn="ctr">
+                      <a:solidFill>
+                        <a:srgbClr val="CCCCCC"/>
+                      </a:solidFill>
+                      <a:prstDash val="solid"/>
+                      <a:round/>
+                      <a:headEnd type="none" w="med" len="med"/>
+                      <a:tailEnd type="none" w="med" len="med"/>
+                    </a:lnB>
+                    <a:noFill/>
+                  </a:tcPr>
+                </a:tc>
+                <a:tc>
+                  <a:txBody>
+                    <a:bodyPr/>
+                    <a:lstStyle/>
+                    <a:p>
+                      <a:pPr rtl="0" fontAlgn="ctr"/>
+                      <a:endParaRPr lang="en-US" sz="1000" dirty="0">
+                        <a:effectLst/>
+                      </a:endParaRPr>
+                    </a:p>
+                  </a:txBody>
+                  <a:tcPr marL="15154" marR="15154" marT="0" marB="0" anchor="ctr">
+                    <a:lnL w="9525" cap="flat" cmpd="sng" algn="ctr">
+                      <a:solidFill>
+                        <a:srgbClr val="CCCCCC"/>
+                      </a:solidFill>
+                      <a:prstDash val="solid"/>
+                      <a:round/>
+                      <a:headEnd type="none" w="med" len="med"/>
+                      <a:tailEnd type="none" w="med" len="med"/>
+                    </a:lnL>
+                    <a:lnR w="19050" cap="flat" cmpd="sng" algn="ctr">
+                      <a:solidFill>
+                        <a:srgbClr val="000000"/>
+                      </a:solidFill>
+                      <a:prstDash val="solid"/>
+                      <a:round/>
+                      <a:headEnd type="none" w="med" len="med"/>
+                      <a:tailEnd type="none" w="med" len="med"/>
+                    </a:lnR>
+                    <a:lnT w="9525" cap="flat" cmpd="sng" algn="ctr">
+                      <a:solidFill>
+                        <a:srgbClr val="CCCCCC"/>
+                      </a:solidFill>
+                      <a:prstDash val="solid"/>
+                      <a:round/>
+                      <a:headEnd type="none" w="med" len="med"/>
+                      <a:tailEnd type="none" w="med" len="med"/>
+                    </a:lnT>
+                    <a:lnB w="9525" cap="flat" cmpd="sng" algn="ctr">
+                      <a:solidFill>
+                        <a:srgbClr val="CCCCCC"/>
+                      </a:solidFill>
+                      <a:prstDash val="solid"/>
+                      <a:round/>
+                      <a:headEnd type="none" w="med" len="med"/>
+                      <a:tailEnd type="none" w="med" len="med"/>
+                    </a:lnB>
+                    <a:noFill/>
+                  </a:tcPr>
+                </a:tc>
+                <a:extLst>
+                  <a:ext uri="{0D108BD9-81ED-4DB2-BD59-A6C34878D82A}">
+                    <a16:rowId xmlns:a16="http://schemas.microsoft.com/office/drawing/2014/main" val="2343808193"/>
+                  </a:ext>
+                </a:extLst>
+              </a:tr>
+              <a:tr h="702064">
+                <a:tc>
+                  <a:txBody>
+                    <a:bodyPr/>
+                    <a:lstStyle/>
+                    <a:p>
+                      <a:pPr algn="ctr" rtl="0" fontAlgn="ctr"/>
+                      <a:r>
+                        <a:rPr lang="en-US" sz="1000">
+                          <a:effectLst/>
+                        </a:rPr>
+                        <a:t>TC-03</a:t>
+                      </a:r>
+                    </a:p>
+                  </a:txBody>
+                  <a:tcPr marL="15154" marR="15154" marT="0" marB="0" anchor="ctr">
+                    <a:lnL w="19050" cap="flat" cmpd="sng" algn="ctr">
+                      <a:solidFill>
+                        <a:srgbClr val="000000"/>
+                      </a:solidFill>
+                      <a:prstDash val="solid"/>
+                      <a:round/>
+                      <a:headEnd type="none" w="med" len="med"/>
+                      <a:tailEnd type="none" w="med" len="med"/>
+                    </a:lnL>
+                    <a:lnR w="9525" cap="flat" cmpd="sng" algn="ctr">
+                      <a:solidFill>
+                        <a:srgbClr val="CCCCCC"/>
+                      </a:solidFill>
+                      <a:prstDash val="solid"/>
+                      <a:round/>
+                      <a:headEnd type="none" w="med" len="med"/>
+                      <a:tailEnd type="none" w="med" len="med"/>
+                    </a:lnR>
+                    <a:lnT w="9525" cap="flat" cmpd="sng" algn="ctr">
+                      <a:solidFill>
+                        <a:srgbClr val="CCCCCC"/>
+                      </a:solidFill>
+                      <a:prstDash val="solid"/>
+                      <a:round/>
+                      <a:headEnd type="none" w="med" len="med"/>
+                      <a:tailEnd type="none" w="med" len="med"/>
+                    </a:lnT>
+                    <a:lnB w="9525" cap="flat" cmpd="sng" algn="ctr">
+                      <a:solidFill>
+                        <a:srgbClr val="CCCCCC"/>
+                      </a:solidFill>
+                      <a:prstDash val="solid"/>
+                      <a:round/>
+                      <a:headEnd type="none" w="med" len="med"/>
+                      <a:tailEnd type="none" w="med" len="med"/>
+                    </a:lnB>
+                    <a:noFill/>
+                  </a:tcPr>
+                </a:tc>
+                <a:tc>
+                  <a:txBody>
+                    <a:bodyPr/>
+                    <a:lstStyle/>
+                    <a:p>
+                      <a:pPr rtl="0" fontAlgn="ctr"/>
+                      <a:r>
+                        <a:rPr lang="en-US" sz="1000" dirty="0">
+                          <a:effectLst/>
+                        </a:rPr>
+                        <a:t>No compress</a:t>
+                      </a:r>
+                    </a:p>
+                  </a:txBody>
+                  <a:tcPr marL="15154" marR="15154" marT="0" marB="0" anchor="ctr">
+                    <a:lnL w="9525" cap="flat" cmpd="sng" algn="ctr">
+                      <a:solidFill>
+                        <a:srgbClr val="CCCCCC"/>
+                      </a:solidFill>
+                      <a:prstDash val="solid"/>
+                      <a:round/>
+                      <a:headEnd type="none" w="med" len="med"/>
+                      <a:tailEnd type="none" w="med" len="med"/>
+                    </a:lnL>
+                    <a:lnR w="9525" cap="flat" cmpd="sng" algn="ctr">
+                      <a:solidFill>
+                        <a:srgbClr val="CCCCCC"/>
+                      </a:solidFill>
+                      <a:prstDash val="solid"/>
+                      <a:round/>
+                      <a:headEnd type="none" w="med" len="med"/>
+                      <a:tailEnd type="none" w="med" len="med"/>
+                    </a:lnR>
+                    <a:lnT w="9525" cap="flat" cmpd="sng" algn="ctr">
+                      <a:solidFill>
+                        <a:srgbClr val="CCCCCC"/>
+                      </a:solidFill>
+                      <a:prstDash val="solid"/>
+                      <a:round/>
+                      <a:headEnd type="none" w="med" len="med"/>
+                      <a:tailEnd type="none" w="med" len="med"/>
+                    </a:lnT>
+                    <a:lnB w="9525" cap="flat" cmpd="sng" algn="ctr">
+                      <a:solidFill>
+                        <a:srgbClr val="CCCCCC"/>
+                      </a:solidFill>
+                      <a:prstDash val="solid"/>
+                      <a:round/>
+                      <a:headEnd type="none" w="med" len="med"/>
+                      <a:tailEnd type="none" w="med" len="med"/>
+                    </a:lnB>
+                    <a:noFill/>
+                  </a:tcPr>
+                </a:tc>
+                <a:tc>
+                  <a:txBody>
+                    <a:bodyPr/>
+                    <a:lstStyle/>
+                    <a:p>
+                      <a:pPr rtl="0" fontAlgn="ctr"/>
+                      <a:r>
+                        <a:rPr lang="en-US" sz="1000" dirty="0">
+                          <a:effectLst/>
+                        </a:rPr>
+                        <a:t>Short data with no repetition</a:t>
+                      </a:r>
+                    </a:p>
+                  </a:txBody>
+                  <a:tcPr marL="15154" marR="15154" marT="0" marB="0" anchor="ctr">
+                    <a:lnL w="9525" cap="flat" cmpd="sng" algn="ctr">
+                      <a:solidFill>
+                        <a:srgbClr val="CCCCCC"/>
+                      </a:solidFill>
+                      <a:prstDash val="solid"/>
+                      <a:round/>
+                      <a:headEnd type="none" w="med" len="med"/>
+                      <a:tailEnd type="none" w="med" len="med"/>
+                    </a:lnL>
+                    <a:lnR w="9525" cap="flat" cmpd="sng" algn="ctr">
+                      <a:solidFill>
+                        <a:srgbClr val="CCCCCC"/>
+                      </a:solidFill>
+                      <a:prstDash val="solid"/>
+                      <a:round/>
+                      <a:headEnd type="none" w="med" len="med"/>
+                      <a:tailEnd type="none" w="med" len="med"/>
+                    </a:lnR>
+                    <a:lnT w="9525" cap="flat" cmpd="sng" algn="ctr">
+                      <a:solidFill>
+                        <a:srgbClr val="CCCCCC"/>
+                      </a:solidFill>
+                      <a:prstDash val="solid"/>
+                      <a:round/>
+                      <a:headEnd type="none" w="med" len="med"/>
+                      <a:tailEnd type="none" w="med" len="med"/>
+                    </a:lnT>
+                    <a:lnB w="9525" cap="flat" cmpd="sng" algn="ctr">
+                      <a:solidFill>
+                        <a:srgbClr val="CCCCCC"/>
+                      </a:solidFill>
+                      <a:prstDash val="solid"/>
+                      <a:round/>
+                      <a:headEnd type="none" w="med" len="med"/>
+                      <a:tailEnd type="none" w="med" len="med"/>
+                    </a:lnB>
+                    <a:noFill/>
+                  </a:tcPr>
+                </a:tc>
+                <a:tc>
+                  <a:txBody>
+                    <a:bodyPr/>
+                    <a:lstStyle/>
+                    <a:p>
+                      <a:pPr algn="ctr" rtl="0" fontAlgn="ctr"/>
+                      <a:r>
+                        <a:rPr lang="en-US" sz="1000" dirty="0">
+                          <a:solidFill>
+                            <a:srgbClr val="006100"/>
+                          </a:solidFill>
+                          <a:effectLst/>
+                        </a:rPr>
+                        <a:t>OK</a:t>
+                      </a:r>
+                    </a:p>
+                  </a:txBody>
+                  <a:tcPr marL="15154" marR="15154" marT="0" marB="0" anchor="ctr">
+                    <a:lnL w="9525" cap="flat" cmpd="sng" algn="ctr">
+                      <a:solidFill>
+                        <a:srgbClr val="CCCCCC"/>
+                      </a:solidFill>
+                      <a:prstDash val="solid"/>
+                      <a:round/>
+                      <a:headEnd type="none" w="med" len="med"/>
+                      <a:tailEnd type="none" w="med" len="med"/>
+                    </a:lnL>
+                    <a:lnR w="9525" cap="flat" cmpd="sng" algn="ctr">
+                      <a:solidFill>
+                        <a:srgbClr val="CCCCCC"/>
+                      </a:solidFill>
+                      <a:prstDash val="solid"/>
+                      <a:round/>
+                      <a:headEnd type="none" w="med" len="med"/>
+                      <a:tailEnd type="none" w="med" len="med"/>
+                    </a:lnR>
+                    <a:lnT w="9525" cap="flat" cmpd="sng" algn="ctr">
+                      <a:solidFill>
+                        <a:srgbClr val="CCCCCC"/>
+                      </a:solidFill>
+                      <a:prstDash val="solid"/>
+                      <a:round/>
+                      <a:headEnd type="none" w="med" len="med"/>
+                      <a:tailEnd type="none" w="med" len="med"/>
+                    </a:lnT>
+                    <a:lnB w="9525" cap="flat" cmpd="sng" algn="ctr">
+                      <a:solidFill>
+                        <a:srgbClr val="CCCCCC"/>
+                      </a:solidFill>
+                      <a:prstDash val="solid"/>
+                      <a:round/>
+                      <a:headEnd type="none" w="med" len="med"/>
+                      <a:tailEnd type="none" w="med" len="med"/>
+                    </a:lnB>
+                    <a:solidFill>
+                      <a:srgbClr val="C6EFCE"/>
+                    </a:solidFill>
+                  </a:tcPr>
+                </a:tc>
+                <a:tc>
+                  <a:txBody>
+                    <a:bodyPr/>
+                    <a:lstStyle/>
+                    <a:p>
+                      <a:pPr algn="ctr" rtl="0" fontAlgn="ctr"/>
+                      <a:r>
+                        <a:rPr lang="en-US" sz="1000" b="0" dirty="0">
+                          <a:effectLst/>
+                          <a:latin typeface="Arial" panose="020B0604020202020204" pitchFamily="34" charset="0"/>
+                        </a:rPr>
+                        <a:t>17/11/2025</a:t>
+                      </a:r>
+                    </a:p>
+                  </a:txBody>
+                  <a:tcPr marL="15154" marR="15154" marT="0" marB="0" anchor="ctr">
+                    <a:lnL w="9525" cap="flat" cmpd="sng" algn="ctr">
+                      <a:solidFill>
+                        <a:srgbClr val="CCCCCC"/>
+                      </a:solidFill>
+                      <a:prstDash val="solid"/>
+                      <a:round/>
+                      <a:headEnd type="none" w="med" len="med"/>
+                      <a:tailEnd type="none" w="med" len="med"/>
+                    </a:lnL>
+                    <a:lnR w="9525" cap="flat" cmpd="sng" algn="ctr">
+                      <a:solidFill>
+                        <a:srgbClr val="CCCCCC"/>
+                      </a:solidFill>
+                      <a:prstDash val="solid"/>
+                      <a:round/>
+                      <a:headEnd type="none" w="med" len="med"/>
+                      <a:tailEnd type="none" w="med" len="med"/>
+                    </a:lnR>
+                    <a:lnT w="9525" cap="flat" cmpd="sng" algn="ctr">
+                      <a:solidFill>
+                        <a:srgbClr val="CCCCCC"/>
+                      </a:solidFill>
+                      <a:prstDash val="solid"/>
+                      <a:round/>
+                      <a:headEnd type="none" w="med" len="med"/>
+                      <a:tailEnd type="none" w="med" len="med"/>
+                    </a:lnT>
+                    <a:lnB w="9525" cap="flat" cmpd="sng" algn="ctr">
+                      <a:solidFill>
+                        <a:srgbClr val="CCCCCC"/>
+                      </a:solidFill>
+                      <a:prstDash val="solid"/>
+                      <a:round/>
+                      <a:headEnd type="none" w="med" len="med"/>
+                      <a:tailEnd type="none" w="med" len="med"/>
+                    </a:lnB>
+                    <a:noFill/>
+                  </a:tcPr>
+                </a:tc>
+                <a:tc>
+                  <a:txBody>
+                    <a:bodyPr/>
+                    <a:lstStyle/>
+                    <a:p>
+                      <a:pPr algn="ctr" rtl="0" fontAlgn="ctr"/>
+                      <a:r>
+                        <a:rPr lang="en-US" sz="1000" dirty="0">
+                          <a:effectLst/>
+                        </a:rPr>
+                        <a:t>Thomas</a:t>
+                      </a:r>
+                    </a:p>
+                  </a:txBody>
+                  <a:tcPr marL="15154" marR="15154" marT="0" marB="0" anchor="ctr">
+                    <a:lnL w="9525" cap="flat" cmpd="sng" algn="ctr">
+                      <a:solidFill>
+                        <a:srgbClr val="CCCCCC"/>
+                      </a:solidFill>
+                      <a:prstDash val="solid"/>
+                      <a:round/>
+                      <a:headEnd type="none" w="med" len="med"/>
+                      <a:tailEnd type="none" w="med" len="med"/>
+                    </a:lnL>
+                    <a:lnR w="9525" cap="flat" cmpd="sng" algn="ctr">
+                      <a:solidFill>
+                        <a:srgbClr val="CCCCCC"/>
+                      </a:solidFill>
+                      <a:prstDash val="solid"/>
+                      <a:round/>
+                      <a:headEnd type="none" w="med" len="med"/>
+                      <a:tailEnd type="none" w="med" len="med"/>
+                    </a:lnR>
+                    <a:lnT w="9525" cap="flat" cmpd="sng" algn="ctr">
+                      <a:solidFill>
+                        <a:srgbClr val="CCCCCC"/>
+                      </a:solidFill>
+                      <a:prstDash val="solid"/>
+                      <a:round/>
+                      <a:headEnd type="none" w="med" len="med"/>
+                      <a:tailEnd type="none" w="med" len="med"/>
+                    </a:lnT>
+                    <a:lnB w="9525" cap="flat" cmpd="sng" algn="ctr">
+                      <a:solidFill>
+                        <a:srgbClr val="CCCCCC"/>
+                      </a:solidFill>
+                      <a:prstDash val="solid"/>
+                      <a:round/>
+                      <a:headEnd type="none" w="med" len="med"/>
+                      <a:tailEnd type="none" w="med" len="med"/>
+                    </a:lnB>
+                    <a:noFill/>
+                  </a:tcPr>
+                </a:tc>
+                <a:tc>
+                  <a:txBody>
+                    <a:bodyPr/>
+                    <a:lstStyle/>
+                    <a:p>
+                      <a:pPr rtl="0" fontAlgn="ctr"/>
+                      <a:endParaRPr lang="en-US" sz="1000" dirty="0">
+                        <a:effectLst/>
+                      </a:endParaRPr>
+                    </a:p>
+                  </a:txBody>
+                  <a:tcPr marL="15154" marR="15154" marT="0" marB="0" anchor="ctr">
+                    <a:lnL w="9525" cap="flat" cmpd="sng" algn="ctr">
+                      <a:solidFill>
+                        <a:srgbClr val="CCCCCC"/>
+                      </a:solidFill>
+                      <a:prstDash val="solid"/>
+                      <a:round/>
+                      <a:headEnd type="none" w="med" len="med"/>
+                      <a:tailEnd type="none" w="med" len="med"/>
+                    </a:lnL>
+                    <a:lnR w="19050" cap="flat" cmpd="sng" algn="ctr">
+                      <a:solidFill>
+                        <a:srgbClr val="000000"/>
+                      </a:solidFill>
+                      <a:prstDash val="solid"/>
+                      <a:round/>
+                      <a:headEnd type="none" w="med" len="med"/>
+                      <a:tailEnd type="none" w="med" len="med"/>
+                    </a:lnR>
+                    <a:lnT w="9525" cap="flat" cmpd="sng" algn="ctr">
+                      <a:solidFill>
+                        <a:srgbClr val="CCCCCC"/>
+                      </a:solidFill>
+                      <a:prstDash val="solid"/>
+                      <a:round/>
+                      <a:headEnd type="none" w="med" len="med"/>
+                      <a:tailEnd type="none" w="med" len="med"/>
+                    </a:lnT>
+                    <a:lnB w="9525" cap="flat" cmpd="sng" algn="ctr">
+                      <a:solidFill>
+                        <a:srgbClr val="CCCCCC"/>
+                      </a:solidFill>
+                      <a:prstDash val="solid"/>
+                      <a:round/>
+                      <a:headEnd type="none" w="med" len="med"/>
+                      <a:tailEnd type="none" w="med" len="med"/>
+                    </a:lnB>
+                    <a:noFill/>
+                  </a:tcPr>
+                </a:tc>
+                <a:extLst>
+                  <a:ext uri="{0D108BD9-81ED-4DB2-BD59-A6C34878D82A}">
+                    <a16:rowId xmlns:a16="http://schemas.microsoft.com/office/drawing/2014/main" val="3655051026"/>
+                  </a:ext>
+                </a:extLst>
+              </a:tr>
+            </a:tbl>
+          </a:graphicData>
+        </a:graphic>
+      </p:graphicFrame>
     </p:spTree>
   </p:cSld>
   <p:clrMapOvr>
@@ -24409,7 +24166,7 @@
               <a:buNone/>
             </a:pPr>
             <a:r>
-              <a:rPr lang="en-CA"/>
+              <a:rPr lang="en-CA" dirty="0"/>
               <a:t>Comparison</a:t>
             </a:r>
             <a:endParaRPr dirty="0"/>
